--- a/figs/FTA_new.pptx
+++ b/figs/FTA_new.pptx
@@ -238,7 +238,7 @@
           <a:p>
             <a:fld id="{761B6ABD-93B7-431E-AFF4-DDF23AA121CD}" type="datetimeFigureOut">
               <a:rPr lang="en-US" smtClean="0"/>
-              <a:t>7/28/2015</a:t>
+              <a:t>7/28/15</a:t>
             </a:fld>
             <a:endParaRPr lang="en-US"/>
           </a:p>
@@ -408,7 +408,7 @@
           <a:p>
             <a:fld id="{761B6ABD-93B7-431E-AFF4-DDF23AA121CD}" type="datetimeFigureOut">
               <a:rPr lang="en-US" smtClean="0"/>
-              <a:t>7/28/2015</a:t>
+              <a:t>7/28/15</a:t>
             </a:fld>
             <a:endParaRPr lang="en-US"/>
           </a:p>
@@ -588,7 +588,7 @@
           <a:p>
             <a:fld id="{761B6ABD-93B7-431E-AFF4-DDF23AA121CD}" type="datetimeFigureOut">
               <a:rPr lang="en-US" smtClean="0"/>
-              <a:t>7/28/2015</a:t>
+              <a:t>7/28/15</a:t>
             </a:fld>
             <a:endParaRPr lang="en-US"/>
           </a:p>
@@ -758,7 +758,7 @@
           <a:p>
             <a:fld id="{761B6ABD-93B7-431E-AFF4-DDF23AA121CD}" type="datetimeFigureOut">
               <a:rPr lang="en-US" smtClean="0"/>
-              <a:t>7/28/2015</a:t>
+              <a:t>7/28/15</a:t>
             </a:fld>
             <a:endParaRPr lang="en-US"/>
           </a:p>
@@ -1004,7 +1004,7 @@
           <a:p>
             <a:fld id="{761B6ABD-93B7-431E-AFF4-DDF23AA121CD}" type="datetimeFigureOut">
               <a:rPr lang="en-US" smtClean="0"/>
-              <a:t>7/28/2015</a:t>
+              <a:t>7/28/15</a:t>
             </a:fld>
             <a:endParaRPr lang="en-US"/>
           </a:p>
@@ -1236,7 +1236,7 @@
           <a:p>
             <a:fld id="{761B6ABD-93B7-431E-AFF4-DDF23AA121CD}" type="datetimeFigureOut">
               <a:rPr lang="en-US" smtClean="0"/>
-              <a:t>7/28/2015</a:t>
+              <a:t>7/28/15</a:t>
             </a:fld>
             <a:endParaRPr lang="en-US"/>
           </a:p>
@@ -1603,7 +1603,7 @@
           <a:p>
             <a:fld id="{761B6ABD-93B7-431E-AFF4-DDF23AA121CD}" type="datetimeFigureOut">
               <a:rPr lang="en-US" smtClean="0"/>
-              <a:t>7/28/2015</a:t>
+              <a:t>7/28/15</a:t>
             </a:fld>
             <a:endParaRPr lang="en-US"/>
           </a:p>
@@ -1721,7 +1721,7 @@
           <a:p>
             <a:fld id="{761B6ABD-93B7-431E-AFF4-DDF23AA121CD}" type="datetimeFigureOut">
               <a:rPr lang="en-US" smtClean="0"/>
-              <a:t>7/28/2015</a:t>
+              <a:t>7/28/15</a:t>
             </a:fld>
             <a:endParaRPr lang="en-US"/>
           </a:p>
@@ -1816,7 +1816,7 @@
           <a:p>
             <a:fld id="{761B6ABD-93B7-431E-AFF4-DDF23AA121CD}" type="datetimeFigureOut">
               <a:rPr lang="en-US" smtClean="0"/>
-              <a:t>7/28/2015</a:t>
+              <a:t>7/28/15</a:t>
             </a:fld>
             <a:endParaRPr lang="en-US"/>
           </a:p>
@@ -2093,7 +2093,7 @@
           <a:p>
             <a:fld id="{761B6ABD-93B7-431E-AFF4-DDF23AA121CD}" type="datetimeFigureOut">
               <a:rPr lang="en-US" smtClean="0"/>
-              <a:t>7/28/2015</a:t>
+              <a:t>7/28/15</a:t>
             </a:fld>
             <a:endParaRPr lang="en-US"/>
           </a:p>
@@ -2346,7 +2346,7 @@
           <a:p>
             <a:fld id="{761B6ABD-93B7-431E-AFF4-DDF23AA121CD}" type="datetimeFigureOut">
               <a:rPr lang="en-US" smtClean="0"/>
-              <a:t>7/28/2015</a:t>
+              <a:t>7/28/15</a:t>
             </a:fld>
             <a:endParaRPr lang="en-US"/>
           </a:p>
@@ -2559,7 +2559,7 @@
           <a:p>
             <a:fld id="{761B6ABD-93B7-431E-AFF4-DDF23AA121CD}" type="datetimeFigureOut">
               <a:rPr lang="en-US" smtClean="0"/>
-              <a:t>7/28/2015</a:t>
+              <a:t>7/28/15</a:t>
             </a:fld>
             <a:endParaRPr lang="en-US"/>
           </a:p>
@@ -2972,16 +2972,16 @@
         </p:nvSpPr>
         <p:spPr>
           <a:xfrm>
-            <a:off x="1735494" y="1091682"/>
+            <a:off x="2465335" y="1091682"/>
             <a:ext cx="1073020" cy="625151"/>
           </a:xfrm>
           <a:prstGeom prst="rect">
             <a:avLst/>
           </a:prstGeom>
           <a:noFill/>
-          <a:ln>
+          <a:ln w="28575" cmpd="sng">
             <a:solidFill>
-              <a:schemeClr val="tx1"/>
+              <a:srgbClr val="000000"/>
             </a:solidFill>
           </a:ln>
         </p:spPr>
@@ -3006,10 +3006,870 @@
           <a:lstStyle/>
           <a:p>
             <a:pPr algn="ctr"/>
-            <a:endParaRPr lang="en-US"/>
-          </a:p>
-        </p:txBody>
-      </p:sp>
+            <a:r>
+              <a:rPr lang="en-US" altLang="zh-CN" dirty="0" smtClean="0">
+                <a:solidFill>
+                  <a:schemeClr val="tx1"/>
+                </a:solidFill>
+              </a:rPr>
+              <a:t>Car</a:t>
+            </a:r>
+            <a:r>
+              <a:rPr lang="zh-CN" altLang="en-US" dirty="0" smtClean="0">
+                <a:solidFill>
+                  <a:schemeClr val="tx1"/>
+                </a:solidFill>
+              </a:rPr>
+              <a:t> </a:t>
+            </a:r>
+            <a:r>
+              <a:rPr lang="en-US" altLang="zh-CN" dirty="0" smtClean="0">
+                <a:solidFill>
+                  <a:schemeClr val="tx1"/>
+                </a:solidFill>
+              </a:rPr>
+              <a:t>hit</a:t>
+            </a:r>
+            <a:r>
+              <a:rPr lang="zh-CN" altLang="en-US" dirty="0" smtClean="0">
+                <a:solidFill>
+                  <a:schemeClr val="tx1"/>
+                </a:solidFill>
+              </a:rPr>
+              <a:t> </a:t>
+            </a:r>
+            <a:r>
+              <a:rPr lang="en-US" altLang="zh-CN" dirty="0" smtClean="0">
+                <a:solidFill>
+                  <a:schemeClr val="tx1"/>
+                </a:solidFill>
+              </a:rPr>
+              <a:t>object</a:t>
+            </a:r>
+            <a:endParaRPr lang="en-US" dirty="0">
+              <a:solidFill>
+                <a:schemeClr val="tx1"/>
+              </a:solidFill>
+            </a:endParaRPr>
+          </a:p>
+        </p:txBody>
+      </p:sp>
+      <p:sp>
+        <p:nvSpPr>
+          <p:cNvPr id="3" name="矩形 2"/>
+          <p:cNvSpPr/>
+          <p:nvPr/>
+        </p:nvSpPr>
+        <p:spPr>
+          <a:xfrm>
+            <a:off x="822325" y="2207633"/>
+            <a:ext cx="1498571" cy="625151"/>
+          </a:xfrm>
+          <a:prstGeom prst="rect">
+            <a:avLst/>
+          </a:prstGeom>
+          <a:noFill/>
+          <a:ln w="28575" cmpd="sng">
+            <a:solidFill>
+              <a:srgbClr val="000000"/>
+            </a:solidFill>
+          </a:ln>
+        </p:spPr>
+        <p:style>
+          <a:lnRef idx="2">
+            <a:schemeClr val="accent1">
+              <a:shade val="50000"/>
+            </a:schemeClr>
+          </a:lnRef>
+          <a:fillRef idx="1">
+            <a:schemeClr val="accent1"/>
+          </a:fillRef>
+          <a:effectRef idx="0">
+            <a:schemeClr val="accent1"/>
+          </a:effectRef>
+          <a:fontRef idx="minor">
+            <a:schemeClr val="lt1"/>
+          </a:fontRef>
+        </p:style>
+        <p:txBody>
+          <a:bodyPr rtlCol="0" anchor="ctr"/>
+          <a:lstStyle/>
+          <a:p>
+            <a:pPr algn="ctr"/>
+            <a:r>
+              <a:rPr lang="en-US" altLang="zh-CN" dirty="0" smtClean="0">
+                <a:solidFill>
+                  <a:schemeClr val="tx1"/>
+                </a:solidFill>
+              </a:rPr>
+              <a:t>Driver</a:t>
+            </a:r>
+            <a:r>
+              <a:rPr lang="zh-CN" altLang="en-US" dirty="0" smtClean="0">
+                <a:solidFill>
+                  <a:schemeClr val="tx1"/>
+                </a:solidFill>
+              </a:rPr>
+              <a:t> </a:t>
+            </a:r>
+            <a:r>
+              <a:rPr lang="en-US" altLang="zh-CN" dirty="0" smtClean="0">
+                <a:solidFill>
+                  <a:schemeClr val="tx1"/>
+                </a:solidFill>
+              </a:rPr>
+              <a:t>fail</a:t>
+            </a:r>
+            <a:r>
+              <a:rPr lang="zh-CN" altLang="en-US" dirty="0" smtClean="0">
+                <a:solidFill>
+                  <a:schemeClr val="tx1"/>
+                </a:solidFill>
+              </a:rPr>
+              <a:t> </a:t>
+            </a:r>
+            <a:r>
+              <a:rPr lang="en-US" altLang="zh-CN" dirty="0" smtClean="0">
+                <a:solidFill>
+                  <a:schemeClr val="tx1"/>
+                </a:solidFill>
+              </a:rPr>
+              <a:t>to</a:t>
+            </a:r>
+            <a:r>
+              <a:rPr lang="zh-CN" altLang="en-US" dirty="0" smtClean="0">
+                <a:solidFill>
+                  <a:schemeClr val="tx1"/>
+                </a:solidFill>
+              </a:rPr>
+              <a:t> </a:t>
+            </a:r>
+            <a:r>
+              <a:rPr lang="en-US" altLang="zh-CN" dirty="0" smtClean="0">
+                <a:solidFill>
+                  <a:schemeClr val="tx1"/>
+                </a:solidFill>
+              </a:rPr>
+              <a:t>see</a:t>
+            </a:r>
+            <a:r>
+              <a:rPr lang="zh-CN" altLang="en-US" dirty="0" smtClean="0">
+                <a:solidFill>
+                  <a:schemeClr val="tx1"/>
+                </a:solidFill>
+              </a:rPr>
+              <a:t> </a:t>
+            </a:r>
+            <a:r>
+              <a:rPr lang="en-US" altLang="zh-CN" dirty="0" smtClean="0">
+                <a:solidFill>
+                  <a:schemeClr val="tx1"/>
+                </a:solidFill>
+              </a:rPr>
+              <a:t>object</a:t>
+            </a:r>
+            <a:endParaRPr lang="en-US" dirty="0">
+              <a:solidFill>
+                <a:schemeClr val="tx1"/>
+              </a:solidFill>
+            </a:endParaRPr>
+          </a:p>
+        </p:txBody>
+      </p:sp>
+      <p:sp>
+        <p:nvSpPr>
+          <p:cNvPr id="5" name="矩形 4"/>
+          <p:cNvSpPr/>
+          <p:nvPr/>
+        </p:nvSpPr>
+        <p:spPr>
+          <a:xfrm>
+            <a:off x="4062820" y="2193033"/>
+            <a:ext cx="1073020" cy="625151"/>
+          </a:xfrm>
+          <a:prstGeom prst="rect">
+            <a:avLst/>
+          </a:prstGeom>
+          <a:noFill/>
+          <a:ln w="28575" cmpd="sng">
+            <a:solidFill>
+              <a:srgbClr val="000000"/>
+            </a:solidFill>
+          </a:ln>
+        </p:spPr>
+        <p:style>
+          <a:lnRef idx="2">
+            <a:schemeClr val="accent1">
+              <a:shade val="50000"/>
+            </a:schemeClr>
+          </a:lnRef>
+          <a:fillRef idx="1">
+            <a:schemeClr val="accent1"/>
+          </a:fillRef>
+          <a:effectRef idx="0">
+            <a:schemeClr val="accent1"/>
+          </a:effectRef>
+          <a:fontRef idx="minor">
+            <a:schemeClr val="lt1"/>
+          </a:fontRef>
+        </p:style>
+        <p:txBody>
+          <a:bodyPr rtlCol="0" anchor="ctr"/>
+          <a:lstStyle/>
+          <a:p>
+            <a:pPr algn="ctr"/>
+            <a:r>
+              <a:rPr lang="en-US" altLang="zh-CN" dirty="0" smtClean="0">
+                <a:solidFill>
+                  <a:schemeClr val="tx1"/>
+                </a:solidFill>
+              </a:rPr>
+              <a:t>Car</a:t>
+            </a:r>
+            <a:r>
+              <a:rPr lang="zh-CN" altLang="en-US" dirty="0" smtClean="0">
+                <a:solidFill>
+                  <a:schemeClr val="tx1"/>
+                </a:solidFill>
+              </a:rPr>
+              <a:t> </a:t>
+            </a:r>
+            <a:r>
+              <a:rPr lang="en-US" altLang="zh-CN" dirty="0" smtClean="0">
+                <a:solidFill>
+                  <a:schemeClr val="tx1"/>
+                </a:solidFill>
+              </a:rPr>
+              <a:t>fail</a:t>
+            </a:r>
+            <a:r>
+              <a:rPr lang="zh-CN" altLang="en-US" dirty="0" smtClean="0">
+                <a:solidFill>
+                  <a:schemeClr val="tx1"/>
+                </a:solidFill>
+              </a:rPr>
+              <a:t> </a:t>
+            </a:r>
+            <a:r>
+              <a:rPr lang="en-US" altLang="zh-CN" dirty="0" smtClean="0">
+                <a:solidFill>
+                  <a:schemeClr val="tx1"/>
+                </a:solidFill>
+              </a:rPr>
+              <a:t>to</a:t>
+            </a:r>
+            <a:r>
+              <a:rPr lang="zh-CN" altLang="en-US" dirty="0" smtClean="0">
+                <a:solidFill>
+                  <a:schemeClr val="tx1"/>
+                </a:solidFill>
+              </a:rPr>
+              <a:t> </a:t>
+            </a:r>
+            <a:r>
+              <a:rPr lang="en-US" altLang="zh-CN" dirty="0" smtClean="0">
+                <a:solidFill>
+                  <a:schemeClr val="tx1"/>
+                </a:solidFill>
+              </a:rPr>
+              <a:t>stop</a:t>
+            </a:r>
+            <a:endParaRPr lang="en-US" dirty="0">
+              <a:solidFill>
+                <a:schemeClr val="tx1"/>
+              </a:solidFill>
+            </a:endParaRPr>
+          </a:p>
+        </p:txBody>
+      </p:sp>
+      <p:sp>
+        <p:nvSpPr>
+          <p:cNvPr id="2" name="菱形 1"/>
+          <p:cNvSpPr/>
+          <p:nvPr/>
+        </p:nvSpPr>
+        <p:spPr>
+          <a:xfrm>
+            <a:off x="3342675" y="3430826"/>
+            <a:ext cx="1430488" cy="966046"/>
+          </a:xfrm>
+          <a:prstGeom prst="diamond">
+            <a:avLst/>
+          </a:prstGeom>
+          <a:noFill/>
+          <a:ln w="28575" cmpd="sng">
+            <a:solidFill>
+              <a:schemeClr val="tx1"/>
+            </a:solidFill>
+          </a:ln>
+        </p:spPr>
+        <p:style>
+          <a:lnRef idx="1">
+            <a:schemeClr val="accent1"/>
+          </a:lnRef>
+          <a:fillRef idx="3">
+            <a:schemeClr val="accent1"/>
+          </a:fillRef>
+          <a:effectRef idx="2">
+            <a:schemeClr val="accent1"/>
+          </a:effectRef>
+          <a:fontRef idx="minor">
+            <a:schemeClr val="lt1"/>
+          </a:fontRef>
+        </p:style>
+        <p:txBody>
+          <a:bodyPr rtlCol="0" anchor="ctr"/>
+          <a:lstStyle/>
+          <a:p>
+            <a:pPr algn="ctr"/>
+            <a:r>
+              <a:rPr kumimoji="1" lang="en-US" altLang="zh-CN" dirty="0" smtClean="0">
+                <a:solidFill>
+                  <a:srgbClr val="000000"/>
+                </a:solidFill>
+              </a:rPr>
+              <a:t>Brake</a:t>
+            </a:r>
+            <a:r>
+              <a:rPr kumimoji="1" lang="zh-CN" altLang="en-US" dirty="0" smtClean="0">
+                <a:solidFill>
+                  <a:srgbClr val="000000"/>
+                </a:solidFill>
+              </a:rPr>
+              <a:t> </a:t>
+            </a:r>
+            <a:r>
+              <a:rPr kumimoji="1" lang="en-US" altLang="zh-CN" dirty="0" smtClean="0">
+                <a:solidFill>
+                  <a:srgbClr val="000000"/>
+                </a:solidFill>
+              </a:rPr>
+              <a:t>fail</a:t>
+            </a:r>
+            <a:endParaRPr kumimoji="1" lang="zh-CN" altLang="en-US" dirty="0">
+              <a:solidFill>
+                <a:srgbClr val="000000"/>
+              </a:solidFill>
+            </a:endParaRPr>
+          </a:p>
+        </p:txBody>
+      </p:sp>
+      <p:sp>
+        <p:nvSpPr>
+          <p:cNvPr id="8" name="椭圆 7"/>
+          <p:cNvSpPr/>
+          <p:nvPr/>
+        </p:nvSpPr>
+        <p:spPr>
+          <a:xfrm>
+            <a:off x="4846148" y="3299432"/>
+            <a:ext cx="1167941" cy="1167941"/>
+          </a:xfrm>
+          <a:prstGeom prst="ellipse">
+            <a:avLst/>
+          </a:prstGeom>
+          <a:solidFill>
+            <a:srgbClr val="FFFFFF"/>
+          </a:solidFill>
+          <a:ln w="28575" cmpd="sng">
+            <a:solidFill>
+              <a:srgbClr val="000000"/>
+            </a:solidFill>
+          </a:ln>
+        </p:spPr>
+        <p:style>
+          <a:lnRef idx="1">
+            <a:schemeClr val="accent1"/>
+          </a:lnRef>
+          <a:fillRef idx="3">
+            <a:schemeClr val="accent1"/>
+          </a:fillRef>
+          <a:effectRef idx="2">
+            <a:schemeClr val="accent1"/>
+          </a:effectRef>
+          <a:fontRef idx="minor">
+            <a:schemeClr val="lt1"/>
+          </a:fontRef>
+        </p:style>
+        <p:txBody>
+          <a:bodyPr rtlCol="0" anchor="ctr"/>
+          <a:lstStyle/>
+          <a:p>
+            <a:pPr algn="ctr"/>
+            <a:r>
+              <a:rPr kumimoji="1" lang="en-US" altLang="zh-CN" dirty="0" smtClean="0">
+                <a:solidFill>
+                  <a:srgbClr val="000000"/>
+                </a:solidFill>
+              </a:rPr>
+              <a:t>Car</a:t>
+            </a:r>
+            <a:r>
+              <a:rPr kumimoji="1" lang="zh-CN" altLang="en-US" dirty="0" smtClean="0">
+                <a:solidFill>
+                  <a:srgbClr val="000000"/>
+                </a:solidFill>
+              </a:rPr>
+              <a:t> </a:t>
+            </a:r>
+            <a:r>
+              <a:rPr kumimoji="1" lang="en-US" altLang="zh-CN" dirty="0" smtClean="0">
+                <a:solidFill>
+                  <a:srgbClr val="000000"/>
+                </a:solidFill>
+              </a:rPr>
+              <a:t>going</a:t>
+            </a:r>
+            <a:r>
+              <a:rPr kumimoji="1" lang="zh-CN" altLang="en-US" dirty="0" smtClean="0">
+                <a:solidFill>
+                  <a:srgbClr val="000000"/>
+                </a:solidFill>
+              </a:rPr>
+              <a:t> </a:t>
+            </a:r>
+            <a:r>
+              <a:rPr kumimoji="1" lang="en-US" altLang="zh-CN" dirty="0" smtClean="0">
+                <a:solidFill>
+                  <a:srgbClr val="000000"/>
+                </a:solidFill>
+              </a:rPr>
+              <a:t>too</a:t>
+            </a:r>
+            <a:r>
+              <a:rPr kumimoji="1" lang="zh-CN" altLang="en-US" dirty="0" smtClean="0">
+                <a:solidFill>
+                  <a:srgbClr val="000000"/>
+                </a:solidFill>
+              </a:rPr>
+              <a:t> </a:t>
+            </a:r>
+            <a:r>
+              <a:rPr kumimoji="1" lang="en-US" altLang="zh-CN" dirty="0" smtClean="0">
+                <a:solidFill>
+                  <a:srgbClr val="000000"/>
+                </a:solidFill>
+              </a:rPr>
+              <a:t>fast</a:t>
+            </a:r>
+            <a:endParaRPr kumimoji="1" lang="zh-CN" altLang="en-US" dirty="0">
+              <a:solidFill>
+                <a:srgbClr val="000000"/>
+              </a:solidFill>
+            </a:endParaRPr>
+          </a:p>
+        </p:txBody>
+      </p:sp>
+      <p:sp>
+        <p:nvSpPr>
+          <p:cNvPr id="9" name="椭圆 8"/>
+          <p:cNvSpPr/>
+          <p:nvPr/>
+        </p:nvSpPr>
+        <p:spPr>
+          <a:xfrm>
+            <a:off x="2189570" y="3372427"/>
+            <a:ext cx="1101353" cy="1101353"/>
+          </a:xfrm>
+          <a:prstGeom prst="ellipse">
+            <a:avLst/>
+          </a:prstGeom>
+          <a:solidFill>
+            <a:srgbClr val="FFFFFF"/>
+          </a:solidFill>
+          <a:ln w="28575" cmpd="sng">
+            <a:solidFill>
+              <a:srgbClr val="000000"/>
+            </a:solidFill>
+          </a:ln>
+        </p:spPr>
+        <p:style>
+          <a:lnRef idx="1">
+            <a:schemeClr val="accent1"/>
+          </a:lnRef>
+          <a:fillRef idx="3">
+            <a:schemeClr val="accent1"/>
+          </a:fillRef>
+          <a:effectRef idx="2">
+            <a:schemeClr val="accent1"/>
+          </a:effectRef>
+          <a:fontRef idx="minor">
+            <a:schemeClr val="lt1"/>
+          </a:fontRef>
+        </p:style>
+        <p:txBody>
+          <a:bodyPr rtlCol="0" anchor="ctr"/>
+          <a:lstStyle/>
+          <a:p>
+            <a:pPr algn="ctr"/>
+            <a:r>
+              <a:rPr kumimoji="1" lang="en-US" altLang="zh-CN" dirty="0" smtClean="0">
+                <a:solidFill>
+                  <a:srgbClr val="000000"/>
+                </a:solidFill>
+              </a:rPr>
+              <a:t>Driver</a:t>
+            </a:r>
+          </a:p>
+          <a:p>
+            <a:pPr algn="ctr"/>
+            <a:r>
+              <a:rPr kumimoji="1" lang="en-US" altLang="zh-CN" dirty="0" smtClean="0">
+                <a:solidFill>
+                  <a:srgbClr val="000000"/>
+                </a:solidFill>
+              </a:rPr>
+              <a:t>asleep</a:t>
+            </a:r>
+            <a:endParaRPr kumimoji="1" lang="zh-CN" altLang="en-US" dirty="0">
+              <a:solidFill>
+                <a:srgbClr val="000000"/>
+              </a:solidFill>
+            </a:endParaRPr>
+          </a:p>
+        </p:txBody>
+      </p:sp>
+      <p:sp>
+        <p:nvSpPr>
+          <p:cNvPr id="10" name="菱形 9"/>
+          <p:cNvSpPr/>
+          <p:nvPr/>
+        </p:nvSpPr>
+        <p:spPr>
+          <a:xfrm>
+            <a:off x="0" y="3451832"/>
+            <a:ext cx="2145732" cy="966046"/>
+          </a:xfrm>
+          <a:prstGeom prst="diamond">
+            <a:avLst/>
+          </a:prstGeom>
+          <a:noFill/>
+          <a:ln w="28575" cmpd="sng">
+            <a:solidFill>
+              <a:schemeClr val="tx1"/>
+            </a:solidFill>
+          </a:ln>
+        </p:spPr>
+        <p:style>
+          <a:lnRef idx="1">
+            <a:schemeClr val="accent1"/>
+          </a:lnRef>
+          <a:fillRef idx="3">
+            <a:schemeClr val="accent1"/>
+          </a:fillRef>
+          <a:effectRef idx="2">
+            <a:schemeClr val="accent1"/>
+          </a:effectRef>
+          <a:fontRef idx="minor">
+            <a:schemeClr val="lt1"/>
+          </a:fontRef>
+        </p:style>
+        <p:txBody>
+          <a:bodyPr rtlCol="0" anchor="ctr"/>
+          <a:lstStyle/>
+          <a:p>
+            <a:pPr algn="ctr"/>
+            <a:endParaRPr kumimoji="1" lang="zh-CN" altLang="en-US" dirty="0">
+              <a:solidFill>
+                <a:srgbClr val="000000"/>
+              </a:solidFill>
+            </a:endParaRPr>
+          </a:p>
+        </p:txBody>
+      </p:sp>
+      <p:sp>
+        <p:nvSpPr>
+          <p:cNvPr id="11" name="文本框 10"/>
+          <p:cNvSpPr txBox="1"/>
+          <p:nvPr/>
+        </p:nvSpPr>
+        <p:spPr>
+          <a:xfrm>
+            <a:off x="306529" y="3620614"/>
+            <a:ext cx="1501470" cy="646331"/>
+          </a:xfrm>
+          <a:prstGeom prst="rect">
+            <a:avLst/>
+          </a:prstGeom>
+          <a:noFill/>
+        </p:spPr>
+        <p:txBody>
+          <a:bodyPr wrap="none" rtlCol="0">
+            <a:spAutoFit/>
+          </a:bodyPr>
+          <a:lstStyle/>
+          <a:p>
+            <a:pPr algn="ctr"/>
+            <a:r>
+              <a:rPr kumimoji="1" lang="en-US" altLang="zh-CN" dirty="0" smtClean="0"/>
+              <a:t>object</a:t>
+            </a:r>
+            <a:r>
+              <a:rPr kumimoji="1" lang="zh-CN" altLang="en-US" dirty="0" smtClean="0"/>
+              <a:t> </a:t>
+            </a:r>
+            <a:r>
+              <a:rPr kumimoji="1" lang="en-US" altLang="zh-CN" dirty="0" smtClean="0"/>
+              <a:t>around</a:t>
+            </a:r>
+          </a:p>
+          <a:p>
+            <a:pPr algn="ctr"/>
+            <a:r>
+              <a:rPr kumimoji="1" lang="en-US" altLang="zh-CN" dirty="0" smtClean="0"/>
+              <a:t>the</a:t>
+            </a:r>
+            <a:r>
+              <a:rPr kumimoji="1" lang="zh-CN" altLang="en-US" dirty="0" smtClean="0"/>
+              <a:t> </a:t>
+            </a:r>
+            <a:r>
+              <a:rPr kumimoji="1" lang="en-US" altLang="zh-CN" dirty="0" smtClean="0"/>
+              <a:t>corner</a:t>
+            </a:r>
+            <a:endParaRPr kumimoji="1" lang="zh-CN" altLang="en-US" dirty="0"/>
+          </a:p>
+        </p:txBody>
+      </p:sp>
+      <p:cxnSp>
+        <p:nvCxnSpPr>
+          <p:cNvPr id="13" name="肘形连接符 12"/>
+          <p:cNvCxnSpPr>
+            <a:stCxn id="3" idx="0"/>
+            <a:endCxn id="4" idx="2"/>
+          </p:cNvCxnSpPr>
+          <p:nvPr/>
+        </p:nvCxnSpPr>
+        <p:spPr>
+          <a:xfrm rot="5400000" flipH="1" flipV="1">
+            <a:off x="2041328" y="1247116"/>
+            <a:ext cx="490800" cy="1430234"/>
+          </a:xfrm>
+          <a:prstGeom prst="bentConnector3">
+            <a:avLst>
+              <a:gd name="adj1" fmla="val 51664"/>
+            </a:avLst>
+          </a:prstGeom>
+          <a:ln w="28575" cmpd="sng">
+            <a:solidFill>
+              <a:srgbClr val="000000"/>
+            </a:solidFill>
+            <a:tailEnd type="arrow"/>
+          </a:ln>
+        </p:spPr>
+        <p:style>
+          <a:lnRef idx="2">
+            <a:schemeClr val="accent1"/>
+          </a:lnRef>
+          <a:fillRef idx="0">
+            <a:schemeClr val="accent1"/>
+          </a:fillRef>
+          <a:effectRef idx="1">
+            <a:schemeClr val="accent1"/>
+          </a:effectRef>
+          <a:fontRef idx="minor">
+            <a:schemeClr val="tx1"/>
+          </a:fontRef>
+        </p:style>
+      </p:cxnSp>
+      <p:cxnSp>
+        <p:nvCxnSpPr>
+          <p:cNvPr id="15" name="肘形连接符 14"/>
+          <p:cNvCxnSpPr>
+            <a:stCxn id="5" idx="0"/>
+            <a:endCxn id="4" idx="2"/>
+          </p:cNvCxnSpPr>
+          <p:nvPr/>
+        </p:nvCxnSpPr>
+        <p:spPr>
+          <a:xfrm rot="16200000" flipV="1">
+            <a:off x="3562488" y="1156190"/>
+            <a:ext cx="476200" cy="1597485"/>
+          </a:xfrm>
+          <a:prstGeom prst="bentConnector3">
+            <a:avLst/>
+          </a:prstGeom>
+          <a:ln w="28575" cmpd="sng">
+            <a:solidFill>
+              <a:srgbClr val="000000"/>
+            </a:solidFill>
+            <a:tailEnd type="arrow"/>
+          </a:ln>
+        </p:spPr>
+        <p:style>
+          <a:lnRef idx="2">
+            <a:schemeClr val="accent1"/>
+          </a:lnRef>
+          <a:fillRef idx="0">
+            <a:schemeClr val="accent1"/>
+          </a:fillRef>
+          <a:effectRef idx="1">
+            <a:schemeClr val="accent1"/>
+          </a:effectRef>
+          <a:fontRef idx="minor">
+            <a:schemeClr val="tx1"/>
+          </a:fontRef>
+        </p:style>
+      </p:cxnSp>
+      <p:cxnSp>
+        <p:nvCxnSpPr>
+          <p:cNvPr id="17" name="肘形连接符 16"/>
+          <p:cNvCxnSpPr>
+            <a:endCxn id="3" idx="2"/>
+          </p:cNvCxnSpPr>
+          <p:nvPr/>
+        </p:nvCxnSpPr>
+        <p:spPr>
+          <a:xfrm rot="5400000" flipH="1" flipV="1">
+            <a:off x="1034159" y="2980968"/>
+            <a:ext cx="685636" cy="389268"/>
+          </a:xfrm>
+          <a:prstGeom prst="bentConnector3">
+            <a:avLst/>
+          </a:prstGeom>
+          <a:ln w="28575" cmpd="sng">
+            <a:solidFill>
+              <a:srgbClr val="000000"/>
+            </a:solidFill>
+            <a:tailEnd type="arrow"/>
+          </a:ln>
+        </p:spPr>
+        <p:style>
+          <a:lnRef idx="2">
+            <a:schemeClr val="accent1"/>
+          </a:lnRef>
+          <a:fillRef idx="0">
+            <a:schemeClr val="accent1"/>
+          </a:fillRef>
+          <a:effectRef idx="1">
+            <a:schemeClr val="accent1"/>
+          </a:effectRef>
+          <a:fontRef idx="minor">
+            <a:schemeClr val="tx1"/>
+          </a:fontRef>
+        </p:style>
+      </p:cxnSp>
+      <p:cxnSp>
+        <p:nvCxnSpPr>
+          <p:cNvPr id="19" name="肘形连接符 18"/>
+          <p:cNvCxnSpPr>
+            <a:stCxn id="9" idx="0"/>
+            <a:endCxn id="3" idx="2"/>
+          </p:cNvCxnSpPr>
+          <p:nvPr/>
+        </p:nvCxnSpPr>
+        <p:spPr>
+          <a:xfrm rot="16200000" flipV="1">
+            <a:off x="1886108" y="2518288"/>
+            <a:ext cx="539643" cy="1168636"/>
+          </a:xfrm>
+          <a:prstGeom prst="bentConnector3">
+            <a:avLst>
+              <a:gd name="adj1" fmla="val 36473"/>
+            </a:avLst>
+          </a:prstGeom>
+          <a:ln w="28575" cmpd="sng">
+            <a:solidFill>
+              <a:srgbClr val="000000"/>
+            </a:solidFill>
+            <a:tailEnd type="arrow"/>
+          </a:ln>
+        </p:spPr>
+        <p:style>
+          <a:lnRef idx="2">
+            <a:schemeClr val="accent1"/>
+          </a:lnRef>
+          <a:fillRef idx="0">
+            <a:schemeClr val="accent1"/>
+          </a:fillRef>
+          <a:effectRef idx="1">
+            <a:schemeClr val="accent1"/>
+          </a:effectRef>
+          <a:fontRef idx="minor">
+            <a:schemeClr val="tx1"/>
+          </a:fontRef>
+        </p:style>
+      </p:cxnSp>
+      <p:cxnSp>
+        <p:nvCxnSpPr>
+          <p:cNvPr id="22" name="肘形连接符 21"/>
+          <p:cNvCxnSpPr>
+            <a:stCxn id="2" idx="0"/>
+            <a:endCxn id="5" idx="2"/>
+          </p:cNvCxnSpPr>
+          <p:nvPr/>
+        </p:nvCxnSpPr>
+        <p:spPr>
+          <a:xfrm rot="5400000" flipH="1" flipV="1">
+            <a:off x="4022303" y="2853800"/>
+            <a:ext cx="612642" cy="541411"/>
+          </a:xfrm>
+          <a:prstGeom prst="bentConnector3">
+            <a:avLst/>
+          </a:prstGeom>
+          <a:ln w="28575" cmpd="sng">
+            <a:solidFill>
+              <a:srgbClr val="000000"/>
+            </a:solidFill>
+            <a:tailEnd type="arrow"/>
+          </a:ln>
+        </p:spPr>
+        <p:style>
+          <a:lnRef idx="2">
+            <a:schemeClr val="accent1"/>
+          </a:lnRef>
+          <a:fillRef idx="0">
+            <a:schemeClr val="accent1"/>
+          </a:fillRef>
+          <a:effectRef idx="1">
+            <a:schemeClr val="accent1"/>
+          </a:effectRef>
+          <a:fontRef idx="minor">
+            <a:schemeClr val="tx1"/>
+          </a:fontRef>
+        </p:style>
+      </p:cxnSp>
+      <p:cxnSp>
+        <p:nvCxnSpPr>
+          <p:cNvPr id="24" name="肘形连接符 23"/>
+          <p:cNvCxnSpPr>
+            <a:stCxn id="8" idx="0"/>
+            <a:endCxn id="5" idx="2"/>
+          </p:cNvCxnSpPr>
+          <p:nvPr/>
+        </p:nvCxnSpPr>
+        <p:spPr>
+          <a:xfrm rot="16200000" flipV="1">
+            <a:off x="4774101" y="2643413"/>
+            <a:ext cx="481248" cy="830789"/>
+          </a:xfrm>
+          <a:prstGeom prst="bentConnector3">
+            <a:avLst>
+              <a:gd name="adj1" fmla="val 36350"/>
+            </a:avLst>
+          </a:prstGeom>
+          <a:ln w="28575" cmpd="sng">
+            <a:solidFill>
+              <a:srgbClr val="000000"/>
+            </a:solidFill>
+            <a:tailEnd type="arrow"/>
+          </a:ln>
+        </p:spPr>
+        <p:style>
+          <a:lnRef idx="2">
+            <a:schemeClr val="accent1"/>
+          </a:lnRef>
+          <a:fillRef idx="0">
+            <a:schemeClr val="accent1"/>
+          </a:fillRef>
+          <a:effectRef idx="1">
+            <a:schemeClr val="accent1"/>
+          </a:effectRef>
+          <a:fontRef idx="minor">
+            <a:schemeClr val="tx1"/>
+          </a:fontRef>
+        </p:style>
+      </p:cxnSp>
     </p:spTree>
     <p:extLst>
       <p:ext uri="{BB962C8B-B14F-4D97-AF65-F5344CB8AC3E}">
@@ -3066,7 +3926,7 @@
     </a:clrScheme>
     <a:fontScheme name="Office">
       <a:majorFont>
-        <a:latin typeface="Calibri Light" panose="020F0302020204030204"/>
+        <a:latin typeface="Calibri Light"/>
         <a:ea typeface=""/>
         <a:cs typeface=""/>
         <a:font script="Jpan" typeface="ＭＳ Ｐゴシック"/>
@@ -3101,7 +3961,7 @@
         <a:font script="Geor" typeface="Sylfaen"/>
       </a:majorFont>
       <a:minorFont>
-        <a:latin typeface="Calibri" panose="020F0502020204030204"/>
+        <a:latin typeface="Calibri"/>
         <a:ea typeface=""/>
         <a:cs typeface=""/>
         <a:font script="Jpan" typeface="ＭＳ Ｐゴシック"/>
@@ -3278,7 +4138,7 @@
   <a:extraClrSchemeLst/>
   <a:extLst>
     <a:ext uri="{05A4C25C-085E-4340-85A3-A5531E510DB2}">
-      <thm15:themeFamily xmlns:thm15="http://schemas.microsoft.com/office/thememl/2012/main" name="Office Theme" id="{62F939B6-93AF-4DB8-9C6B-D6C7DFDC589F}" vid="{4A3C46E8-61CC-4603-A589-7422A47A8E4A}"/>
+      <thm15:themeFamily xmlns:thm15="http://schemas.microsoft.com/office/thememl/2012/main" xmlns="" name="Office Theme" id="{62F939B6-93AF-4DB8-9C6B-D6C7DFDC589F}" vid="{4A3C46E8-61CC-4603-A589-7422A47A8E4A}"/>
     </a:ext>
   </a:extLst>
 </a:theme>

--- a/figs/FTA_new.pptx
+++ b/figs/FTA_new.pptx
@@ -104,6 +104,22 @@
       </a:defRPr>
     </a:lvl9pPr>
   </p:defaultTextStyle>
+  <p:extLst>
+    <p:ext uri="{EFAFB233-063F-42B5-8137-9DF3F51BA10A}">
+      <p15:sldGuideLst xmlns:p15="http://schemas.microsoft.com/office/powerpoint/2012/main">
+        <p15:guide id="1" orient="horz" pos="2160">
+          <p15:clr>
+            <a:srgbClr val="A4A3A4"/>
+          </p15:clr>
+        </p15:guide>
+        <p15:guide id="2" pos="3840">
+          <p15:clr>
+            <a:srgbClr val="A4A3A4"/>
+          </p15:clr>
+        </p15:guide>
+      </p15:sldGuideLst>
+    </p:ext>
+  </p:extLst>
 </p:presentation>
 </file>
 
@@ -238,7 +254,7 @@
           <a:p>
             <a:fld id="{761B6ABD-93B7-431E-AFF4-DDF23AA121CD}" type="datetimeFigureOut">
               <a:rPr lang="en-US" smtClean="0"/>
-              <a:t>7/28/15</a:t>
+              <a:t>7/29/2015</a:t>
             </a:fld>
             <a:endParaRPr lang="en-US"/>
           </a:p>
@@ -408,7 +424,7 @@
           <a:p>
             <a:fld id="{761B6ABD-93B7-431E-AFF4-DDF23AA121CD}" type="datetimeFigureOut">
               <a:rPr lang="en-US" smtClean="0"/>
-              <a:t>7/28/15</a:t>
+              <a:t>7/29/2015</a:t>
             </a:fld>
             <a:endParaRPr lang="en-US"/>
           </a:p>
@@ -588,7 +604,7 @@
           <a:p>
             <a:fld id="{761B6ABD-93B7-431E-AFF4-DDF23AA121CD}" type="datetimeFigureOut">
               <a:rPr lang="en-US" smtClean="0"/>
-              <a:t>7/28/15</a:t>
+              <a:t>7/29/2015</a:t>
             </a:fld>
             <a:endParaRPr lang="en-US"/>
           </a:p>
@@ -758,7 +774,7 @@
           <a:p>
             <a:fld id="{761B6ABD-93B7-431E-AFF4-DDF23AA121CD}" type="datetimeFigureOut">
               <a:rPr lang="en-US" smtClean="0"/>
-              <a:t>7/28/15</a:t>
+              <a:t>7/29/2015</a:t>
             </a:fld>
             <a:endParaRPr lang="en-US"/>
           </a:p>
@@ -1004,7 +1020,7 @@
           <a:p>
             <a:fld id="{761B6ABD-93B7-431E-AFF4-DDF23AA121CD}" type="datetimeFigureOut">
               <a:rPr lang="en-US" smtClean="0"/>
-              <a:t>7/28/15</a:t>
+              <a:t>7/29/2015</a:t>
             </a:fld>
             <a:endParaRPr lang="en-US"/>
           </a:p>
@@ -1236,7 +1252,7 @@
           <a:p>
             <a:fld id="{761B6ABD-93B7-431E-AFF4-DDF23AA121CD}" type="datetimeFigureOut">
               <a:rPr lang="en-US" smtClean="0"/>
-              <a:t>7/28/15</a:t>
+              <a:t>7/29/2015</a:t>
             </a:fld>
             <a:endParaRPr lang="en-US"/>
           </a:p>
@@ -1603,7 +1619,7 @@
           <a:p>
             <a:fld id="{761B6ABD-93B7-431E-AFF4-DDF23AA121CD}" type="datetimeFigureOut">
               <a:rPr lang="en-US" smtClean="0"/>
-              <a:t>7/28/15</a:t>
+              <a:t>7/29/2015</a:t>
             </a:fld>
             <a:endParaRPr lang="en-US"/>
           </a:p>
@@ -1721,7 +1737,7 @@
           <a:p>
             <a:fld id="{761B6ABD-93B7-431E-AFF4-DDF23AA121CD}" type="datetimeFigureOut">
               <a:rPr lang="en-US" smtClean="0"/>
-              <a:t>7/28/15</a:t>
+              <a:t>7/29/2015</a:t>
             </a:fld>
             <a:endParaRPr lang="en-US"/>
           </a:p>
@@ -1816,7 +1832,7 @@
           <a:p>
             <a:fld id="{761B6ABD-93B7-431E-AFF4-DDF23AA121CD}" type="datetimeFigureOut">
               <a:rPr lang="en-US" smtClean="0"/>
-              <a:t>7/28/15</a:t>
+              <a:t>7/29/2015</a:t>
             </a:fld>
             <a:endParaRPr lang="en-US"/>
           </a:p>
@@ -2093,7 +2109,7 @@
           <a:p>
             <a:fld id="{761B6ABD-93B7-431E-AFF4-DDF23AA121CD}" type="datetimeFigureOut">
               <a:rPr lang="en-US" smtClean="0"/>
-              <a:t>7/28/15</a:t>
+              <a:t>7/29/2015</a:t>
             </a:fld>
             <a:endParaRPr lang="en-US"/>
           </a:p>
@@ -2346,7 +2362,7 @@
           <a:p>
             <a:fld id="{761B6ABD-93B7-431E-AFF4-DDF23AA121CD}" type="datetimeFigureOut">
               <a:rPr lang="en-US" smtClean="0"/>
-              <a:t>7/28/15</a:t>
+              <a:t>7/29/2015</a:t>
             </a:fld>
             <a:endParaRPr lang="en-US"/>
           </a:p>
@@ -2559,7 +2575,7 @@
           <a:p>
             <a:fld id="{761B6ABD-93B7-431E-AFF4-DDF23AA121CD}" type="datetimeFigureOut">
               <a:rPr lang="en-US" smtClean="0"/>
-              <a:t>7/28/15</a:t>
+              <a:t>7/29/2015</a:t>
             </a:fld>
             <a:endParaRPr lang="en-US"/>
           </a:p>
@@ -2972,7 +2988,7 @@
         </p:nvSpPr>
         <p:spPr>
           <a:xfrm>
-            <a:off x="2465335" y="1091682"/>
+            <a:off x="2633288" y="1091682"/>
             <a:ext cx="1073020" cy="625151"/>
           </a:xfrm>
           <a:prstGeom prst="rect">
@@ -3062,7 +3078,7 @@
         </p:nvSpPr>
         <p:spPr>
           <a:xfrm>
-            <a:off x="822325" y="2207633"/>
+            <a:off x="990278" y="2207633"/>
             <a:ext cx="1498571" cy="625151"/>
           </a:xfrm>
           <a:prstGeom prst="rect">
@@ -3184,7 +3200,7 @@
         </p:nvSpPr>
         <p:spPr>
           <a:xfrm>
-            <a:off x="4062820" y="2193033"/>
+            <a:off x="4230773" y="2193033"/>
             <a:ext cx="1073020" cy="625151"/>
           </a:xfrm>
           <a:prstGeom prst="rect">
@@ -3290,7 +3306,7 @@
         </p:nvSpPr>
         <p:spPr>
           <a:xfrm>
-            <a:off x="3342675" y="3430826"/>
+            <a:off x="3510628" y="3430826"/>
             <a:ext cx="1430488" cy="966046"/>
           </a:xfrm>
           <a:prstGeom prst="diamond">
@@ -3362,7 +3378,7 @@
         </p:nvSpPr>
         <p:spPr>
           <a:xfrm>
-            <a:off x="4846148" y="3299432"/>
+            <a:off x="5014101" y="3299432"/>
             <a:ext cx="1167941" cy="1167941"/>
           </a:xfrm>
           <a:prstGeom prst="ellipse">
@@ -3468,8 +3484,8 @@
         </p:nvSpPr>
         <p:spPr>
           <a:xfrm>
-            <a:off x="2189570" y="3372427"/>
-            <a:ext cx="1101353" cy="1101353"/>
+            <a:off x="2236224" y="3372428"/>
+            <a:ext cx="1153105" cy="1094946"/>
           </a:xfrm>
           <a:prstGeom prst="ellipse">
             <a:avLst/>
@@ -3537,7 +3553,7 @@
         </p:nvSpPr>
         <p:spPr>
           <a:xfrm>
-            <a:off x="0" y="3451832"/>
+            <a:off x="9329" y="3451832"/>
             <a:ext cx="2145732" cy="966046"/>
           </a:xfrm>
           <a:prstGeom prst="diamond">
@@ -3585,7 +3601,7 @@
         </p:nvSpPr>
         <p:spPr>
           <a:xfrm>
-            <a:off x="306529" y="3620614"/>
+            <a:off x="315858" y="3620614"/>
             <a:ext cx="1501470" cy="646331"/>
           </a:xfrm>
           <a:prstGeom prst="rect">
@@ -3642,7 +3658,7 @@
         </p:nvCxnSpPr>
         <p:spPr>
           <a:xfrm rot="5400000" flipH="1" flipV="1">
-            <a:off x="2041328" y="1247116"/>
+            <a:off x="2209281" y="1247116"/>
             <a:ext cx="490800" cy="1430234"/>
           </a:xfrm>
           <a:prstGeom prst="bentConnector3">
@@ -3683,7 +3699,7 @@
         </p:nvCxnSpPr>
         <p:spPr>
           <a:xfrm rot="16200000" flipV="1">
-            <a:off x="3562488" y="1156190"/>
+            <a:off x="3730441" y="1156190"/>
             <a:ext cx="476200" cy="1597485"/>
           </a:xfrm>
           <a:prstGeom prst="bentConnector3">
@@ -3715,14 +3731,15 @@
         <p:nvCxnSpPr>
           <p:cNvPr id="17" name="肘形连接符 16"/>
           <p:cNvCxnSpPr>
+            <a:stCxn id="10" idx="0"/>
             <a:endCxn id="3" idx="2"/>
           </p:cNvCxnSpPr>
           <p:nvPr/>
         </p:nvCxnSpPr>
         <p:spPr>
           <a:xfrm rot="5400000" flipH="1" flipV="1">
-            <a:off x="1034159" y="2980968"/>
-            <a:ext cx="685636" cy="389268"/>
+            <a:off x="1101355" y="2813624"/>
+            <a:ext cx="619048" cy="657369"/>
           </a:xfrm>
           <a:prstGeom prst="bentConnector3">
             <a:avLst/>
@@ -3760,12 +3777,12 @@
         </p:nvCxnSpPr>
         <p:spPr>
           <a:xfrm rot="16200000" flipV="1">
-            <a:off x="1886108" y="2518288"/>
-            <a:ext cx="539643" cy="1168636"/>
+            <a:off x="2006349" y="2565999"/>
+            <a:ext cx="539644" cy="1073213"/>
           </a:xfrm>
           <a:prstGeom prst="bentConnector3">
             <a:avLst>
-              <a:gd name="adj1" fmla="val 36473"/>
+              <a:gd name="adj1" fmla="val 43084"/>
             </a:avLst>
           </a:prstGeom>
           <a:ln w="28575" cmpd="sng">
@@ -3801,7 +3818,7 @@
         </p:nvCxnSpPr>
         <p:spPr>
           <a:xfrm rot="5400000" flipH="1" flipV="1">
-            <a:off x="4022303" y="2853800"/>
+            <a:off x="4190256" y="2853800"/>
             <a:ext cx="612642" cy="541411"/>
           </a:xfrm>
           <a:prstGeom prst="bentConnector3">
@@ -3840,7 +3857,7 @@
         </p:nvCxnSpPr>
         <p:spPr>
           <a:xfrm rot="16200000" flipV="1">
-            <a:off x="4774101" y="2643413"/>
+            <a:off x="4942054" y="2643413"/>
             <a:ext cx="481248" cy="830789"/>
           </a:xfrm>
           <a:prstGeom prst="bentConnector3">
@@ -3863,6 +3880,678 @@
             <a:schemeClr val="accent1"/>
           </a:fillRef>
           <a:effectRef idx="1">
+            <a:schemeClr val="accent1"/>
+          </a:effectRef>
+          <a:fontRef idx="minor">
+            <a:schemeClr val="tx1"/>
+          </a:fontRef>
+        </p:style>
+      </p:cxnSp>
+      <p:sp>
+        <p:nvSpPr>
+          <p:cNvPr id="20" name="矩形 19"/>
+          <p:cNvSpPr/>
+          <p:nvPr/>
+        </p:nvSpPr>
+        <p:spPr>
+          <a:xfrm>
+            <a:off x="8337400" y="1091682"/>
+            <a:ext cx="1235805" cy="625151"/>
+          </a:xfrm>
+          <a:prstGeom prst="rect">
+            <a:avLst/>
+          </a:prstGeom>
+          <a:noFill/>
+          <a:ln w="28575" cmpd="sng">
+            <a:solidFill>
+              <a:srgbClr val="000000"/>
+            </a:solidFill>
+          </a:ln>
+        </p:spPr>
+        <p:style>
+          <a:lnRef idx="2">
+            <a:schemeClr val="accent1">
+              <a:shade val="50000"/>
+            </a:schemeClr>
+          </a:lnRef>
+          <a:fillRef idx="1">
+            <a:schemeClr val="accent1"/>
+          </a:fillRef>
+          <a:effectRef idx="0">
+            <a:schemeClr val="accent1"/>
+          </a:effectRef>
+          <a:fontRef idx="minor">
+            <a:schemeClr val="lt1"/>
+          </a:fontRef>
+        </p:style>
+        <p:txBody>
+          <a:bodyPr rtlCol="0" anchor="ctr"/>
+          <a:lstStyle/>
+          <a:p>
+            <a:pPr algn="ctr"/>
+            <a:r>
+              <a:rPr lang="en-US" altLang="zh-CN" dirty="0" smtClean="0">
+                <a:solidFill>
+                  <a:schemeClr val="tx1"/>
+                </a:solidFill>
+              </a:rPr>
+              <a:t>Ventricular rate high</a:t>
+            </a:r>
+            <a:endParaRPr lang="en-US" dirty="0">
+              <a:solidFill>
+                <a:schemeClr val="tx1"/>
+              </a:solidFill>
+            </a:endParaRPr>
+          </a:p>
+        </p:txBody>
+      </p:sp>
+      <p:sp>
+        <p:nvSpPr>
+          <p:cNvPr id="23" name="文本框 22"/>
+          <p:cNvSpPr txBox="1"/>
+          <p:nvPr/>
+        </p:nvSpPr>
+        <p:spPr>
+          <a:xfrm>
+            <a:off x="6229377" y="2558372"/>
+            <a:ext cx="1274837" cy="646331"/>
+          </a:xfrm>
+          <a:prstGeom prst="rect">
+            <a:avLst/>
+          </a:prstGeom>
+          <a:noFill/>
+        </p:spPr>
+        <p:txBody>
+          <a:bodyPr wrap="none" rtlCol="0">
+            <a:spAutoFit/>
+          </a:bodyPr>
+          <a:lstStyle/>
+          <a:p>
+            <a:pPr algn="ctr"/>
+            <a:r>
+              <a:rPr kumimoji="1" lang="en-US" altLang="zh-CN" dirty="0" smtClean="0"/>
+              <a:t>Ventricular</a:t>
+            </a:r>
+          </a:p>
+          <a:p>
+            <a:pPr algn="ctr"/>
+            <a:r>
+              <a:rPr kumimoji="1" lang="en-US" altLang="zh-CN" dirty="0" smtClean="0"/>
+              <a:t>Tachycardia</a:t>
+            </a:r>
+            <a:endParaRPr kumimoji="1" lang="zh-CN" altLang="en-US" dirty="0"/>
+          </a:p>
+        </p:txBody>
+      </p:sp>
+      <p:sp>
+        <p:nvSpPr>
+          <p:cNvPr id="25" name="矩形 24"/>
+          <p:cNvSpPr/>
+          <p:nvPr/>
+        </p:nvSpPr>
+        <p:spPr>
+          <a:xfrm>
+            <a:off x="7654613" y="2311244"/>
+            <a:ext cx="1365036" cy="625151"/>
+          </a:xfrm>
+          <a:prstGeom prst="rect">
+            <a:avLst/>
+          </a:prstGeom>
+          <a:noFill/>
+          <a:ln w="28575" cmpd="sng">
+            <a:solidFill>
+              <a:srgbClr val="000000"/>
+            </a:solidFill>
+            <a:prstDash val="sysDot"/>
+          </a:ln>
+        </p:spPr>
+        <p:style>
+          <a:lnRef idx="2">
+            <a:schemeClr val="accent1">
+              <a:shade val="50000"/>
+            </a:schemeClr>
+          </a:lnRef>
+          <a:fillRef idx="1">
+            <a:schemeClr val="accent1"/>
+          </a:fillRef>
+          <a:effectRef idx="0">
+            <a:schemeClr val="accent1"/>
+          </a:effectRef>
+          <a:fontRef idx="minor">
+            <a:schemeClr val="lt1"/>
+          </a:fontRef>
+        </p:style>
+        <p:txBody>
+          <a:bodyPr rtlCol="0" anchor="ctr"/>
+          <a:lstStyle/>
+          <a:p>
+            <a:pPr algn="ctr"/>
+            <a:r>
+              <a:rPr lang="en-US" altLang="zh-CN" dirty="0" smtClean="0">
+                <a:solidFill>
+                  <a:schemeClr val="tx1"/>
+                </a:solidFill>
+              </a:rPr>
+              <a:t>Tracking fast atrial rate</a:t>
+            </a:r>
+            <a:endParaRPr lang="en-US" dirty="0">
+              <a:solidFill>
+                <a:schemeClr val="tx1"/>
+              </a:solidFill>
+            </a:endParaRPr>
+          </a:p>
+        </p:txBody>
+      </p:sp>
+      <p:sp>
+        <p:nvSpPr>
+          <p:cNvPr id="14" name="椭圆 13"/>
+          <p:cNvSpPr/>
+          <p:nvPr/>
+        </p:nvSpPr>
+        <p:spPr>
+          <a:xfrm>
+            <a:off x="6296502" y="2311244"/>
+            <a:ext cx="1140588" cy="1140588"/>
+          </a:xfrm>
+          <a:prstGeom prst="ellipse">
+            <a:avLst/>
+          </a:prstGeom>
+          <a:noFill/>
+          <a:ln w="28575" cmpd="sng">
+            <a:solidFill>
+              <a:srgbClr val="000000"/>
+            </a:solidFill>
+          </a:ln>
+        </p:spPr>
+        <p:style>
+          <a:lnRef idx="1">
+            <a:schemeClr val="accent1"/>
+          </a:lnRef>
+          <a:fillRef idx="3">
+            <a:schemeClr val="accent1"/>
+          </a:fillRef>
+          <a:effectRef idx="2">
+            <a:schemeClr val="accent1"/>
+          </a:effectRef>
+          <a:fontRef idx="minor">
+            <a:schemeClr val="lt1"/>
+          </a:fontRef>
+        </p:style>
+        <p:txBody>
+          <a:bodyPr rtlCol="0" anchor="ctr"/>
+          <a:lstStyle/>
+          <a:p>
+            <a:pPr algn="ctr"/>
+            <a:endParaRPr kumimoji="1" lang="en-US">
+              <a:solidFill>
+                <a:srgbClr val="000000"/>
+              </a:solidFill>
+            </a:endParaRPr>
+          </a:p>
+        </p:txBody>
+      </p:sp>
+      <p:sp>
+        <p:nvSpPr>
+          <p:cNvPr id="26" name="矩形 25"/>
+          <p:cNvSpPr/>
+          <p:nvPr/>
+        </p:nvSpPr>
+        <p:spPr>
+          <a:xfrm>
+            <a:off x="9307136" y="2315546"/>
+            <a:ext cx="1365036" cy="625151"/>
+          </a:xfrm>
+          <a:prstGeom prst="rect">
+            <a:avLst/>
+          </a:prstGeom>
+          <a:noFill/>
+          <a:ln w="28575" cmpd="sng">
+            <a:solidFill>
+              <a:srgbClr val="000000"/>
+            </a:solidFill>
+            <a:prstDash val="sysDot"/>
+          </a:ln>
+        </p:spPr>
+        <p:style>
+          <a:lnRef idx="2">
+            <a:schemeClr val="accent1">
+              <a:shade val="50000"/>
+            </a:schemeClr>
+          </a:lnRef>
+          <a:fillRef idx="1">
+            <a:schemeClr val="accent1"/>
+          </a:fillRef>
+          <a:effectRef idx="0">
+            <a:schemeClr val="accent1"/>
+          </a:effectRef>
+          <a:fontRef idx="minor">
+            <a:schemeClr val="lt1"/>
+          </a:fontRef>
+        </p:style>
+        <p:txBody>
+          <a:bodyPr rtlCol="0" anchor="ctr"/>
+          <a:lstStyle/>
+          <a:p>
+            <a:pPr algn="ctr"/>
+            <a:r>
+              <a:rPr lang="en-US" altLang="zh-CN" dirty="0" smtClean="0">
+                <a:solidFill>
+                  <a:schemeClr val="tx1"/>
+                </a:solidFill>
+              </a:rPr>
+              <a:t>Endless loop tachycardia</a:t>
+            </a:r>
+            <a:endParaRPr lang="en-US" dirty="0">
+              <a:solidFill>
+                <a:schemeClr val="tx1"/>
+              </a:solidFill>
+            </a:endParaRPr>
+          </a:p>
+        </p:txBody>
+      </p:sp>
+      <p:sp>
+        <p:nvSpPr>
+          <p:cNvPr id="27" name="椭圆 26"/>
+          <p:cNvSpPr/>
+          <p:nvPr/>
+        </p:nvSpPr>
+        <p:spPr>
+          <a:xfrm>
+            <a:off x="7603819" y="3299432"/>
+            <a:ext cx="1465483" cy="1465483"/>
+          </a:xfrm>
+          <a:prstGeom prst="ellipse">
+            <a:avLst/>
+          </a:prstGeom>
+          <a:solidFill>
+            <a:srgbClr val="FFFFFF"/>
+          </a:solidFill>
+          <a:ln w="28575" cmpd="sng">
+            <a:solidFill>
+              <a:srgbClr val="000000"/>
+            </a:solidFill>
+            <a:prstDash val="sysDot"/>
+          </a:ln>
+        </p:spPr>
+        <p:style>
+          <a:lnRef idx="1">
+            <a:schemeClr val="accent1"/>
+          </a:lnRef>
+          <a:fillRef idx="3">
+            <a:schemeClr val="accent1"/>
+          </a:fillRef>
+          <a:effectRef idx="2">
+            <a:schemeClr val="accent1"/>
+          </a:effectRef>
+          <a:fontRef idx="minor">
+            <a:schemeClr val="lt1"/>
+          </a:fontRef>
+        </p:style>
+        <p:txBody>
+          <a:bodyPr rtlCol="0" anchor="ctr"/>
+          <a:lstStyle/>
+          <a:p>
+            <a:pPr algn="ctr"/>
+            <a:endParaRPr kumimoji="1" lang="zh-CN" altLang="en-US" dirty="0">
+              <a:solidFill>
+                <a:srgbClr val="000000"/>
+              </a:solidFill>
+            </a:endParaRPr>
+          </a:p>
+        </p:txBody>
+      </p:sp>
+      <p:sp>
+        <p:nvSpPr>
+          <p:cNvPr id="28" name="文本框 27"/>
+          <p:cNvSpPr txBox="1"/>
+          <p:nvPr/>
+        </p:nvSpPr>
+        <p:spPr>
+          <a:xfrm>
+            <a:off x="7663891" y="3274732"/>
+            <a:ext cx="1426481" cy="1477328"/>
+          </a:xfrm>
+          <a:prstGeom prst="rect">
+            <a:avLst/>
+          </a:prstGeom>
+          <a:noFill/>
+          <a:ln>
+            <a:noFill/>
+            <a:prstDash val="sysDot"/>
+          </a:ln>
+        </p:spPr>
+        <p:txBody>
+          <a:bodyPr wrap="none" rtlCol="0">
+            <a:spAutoFit/>
+          </a:bodyPr>
+          <a:lstStyle/>
+          <a:p>
+            <a:pPr algn="ctr"/>
+            <a:r>
+              <a:rPr kumimoji="1" lang="en-US" altLang="zh-CN" dirty="0" smtClean="0"/>
+              <a:t>Pace</a:t>
+            </a:r>
+          </a:p>
+          <a:p>
+            <a:pPr algn="ctr"/>
+            <a:r>
+              <a:rPr kumimoji="1" lang="en-US" altLang="zh-CN" dirty="0" smtClean="0"/>
+              <a:t>Ventricle</a:t>
+            </a:r>
+          </a:p>
+          <a:p>
+            <a:pPr algn="ctr"/>
+            <a:r>
+              <a:rPr kumimoji="1" lang="en-US" altLang="zh-CN" dirty="0" smtClean="0"/>
+              <a:t>after each</a:t>
+            </a:r>
+            <a:endParaRPr kumimoji="1" lang="en-US" altLang="zh-CN" dirty="0" smtClean="0"/>
+          </a:p>
+          <a:p>
+            <a:pPr algn="ctr"/>
+            <a:r>
+              <a:rPr kumimoji="1" lang="en-US" altLang="zh-CN" dirty="0" smtClean="0"/>
+              <a:t>sensed atrial </a:t>
+            </a:r>
+          </a:p>
+          <a:p>
+            <a:pPr algn="ctr"/>
+            <a:r>
+              <a:rPr kumimoji="1" lang="en-US" altLang="zh-CN" dirty="0" smtClean="0"/>
+              <a:t>event</a:t>
+            </a:r>
+            <a:endParaRPr kumimoji="1" lang="zh-CN" altLang="en-US" dirty="0"/>
+          </a:p>
+        </p:txBody>
+      </p:sp>
+      <p:sp>
+        <p:nvSpPr>
+          <p:cNvPr id="30" name="椭圆 29"/>
+          <p:cNvSpPr/>
+          <p:nvPr/>
+        </p:nvSpPr>
+        <p:spPr>
+          <a:xfrm>
+            <a:off x="9380104" y="3353766"/>
+            <a:ext cx="1228803" cy="1228803"/>
+          </a:xfrm>
+          <a:prstGeom prst="ellipse">
+            <a:avLst/>
+          </a:prstGeom>
+          <a:solidFill>
+            <a:srgbClr val="FFFFFF"/>
+          </a:solidFill>
+          <a:ln w="28575" cmpd="sng">
+            <a:solidFill>
+              <a:srgbClr val="000000"/>
+            </a:solidFill>
+            <a:prstDash val="sysDot"/>
+          </a:ln>
+        </p:spPr>
+        <p:style>
+          <a:lnRef idx="1">
+            <a:schemeClr val="accent1"/>
+          </a:lnRef>
+          <a:fillRef idx="3">
+            <a:schemeClr val="accent1"/>
+          </a:fillRef>
+          <a:effectRef idx="2">
+            <a:schemeClr val="accent1"/>
+          </a:effectRef>
+          <a:fontRef idx="minor">
+            <a:schemeClr val="lt1"/>
+          </a:fontRef>
+        </p:style>
+        <p:txBody>
+          <a:bodyPr rtlCol="0" anchor="ctr"/>
+          <a:lstStyle/>
+          <a:p>
+            <a:pPr algn="ctr"/>
+            <a:endParaRPr kumimoji="1" lang="zh-CN" altLang="en-US" dirty="0">
+              <a:solidFill>
+                <a:srgbClr val="000000"/>
+              </a:solidFill>
+            </a:endParaRPr>
+          </a:p>
+        </p:txBody>
+      </p:sp>
+      <p:sp>
+        <p:nvSpPr>
+          <p:cNvPr id="31" name="文本框 30"/>
+          <p:cNvSpPr txBox="1"/>
+          <p:nvPr/>
+        </p:nvSpPr>
+        <p:spPr>
+          <a:xfrm>
+            <a:off x="9380104" y="3475886"/>
+            <a:ext cx="1256306" cy="923330"/>
+          </a:xfrm>
+          <a:prstGeom prst="rect">
+            <a:avLst/>
+          </a:prstGeom>
+          <a:noFill/>
+        </p:spPr>
+        <p:txBody>
+          <a:bodyPr wrap="none" rtlCol="0">
+            <a:spAutoFit/>
+          </a:bodyPr>
+          <a:lstStyle/>
+          <a:p>
+            <a:pPr algn="ctr"/>
+            <a:r>
+              <a:rPr kumimoji="1" lang="en-US" altLang="zh-CN" dirty="0" smtClean="0"/>
+              <a:t>Premature</a:t>
+            </a:r>
+          </a:p>
+          <a:p>
+            <a:pPr algn="ctr"/>
+            <a:r>
+              <a:rPr kumimoji="1" lang="en-US" altLang="zh-CN" dirty="0" smtClean="0"/>
+              <a:t>Ventricular</a:t>
+            </a:r>
+          </a:p>
+          <a:p>
+            <a:pPr algn="ctr"/>
+            <a:r>
+              <a:rPr kumimoji="1" lang="en-US" altLang="zh-CN" dirty="0" smtClean="0"/>
+              <a:t>contraction</a:t>
+            </a:r>
+            <a:endParaRPr kumimoji="1" lang="zh-CN" altLang="en-US" dirty="0"/>
+          </a:p>
+        </p:txBody>
+      </p:sp>
+      <p:cxnSp>
+        <p:nvCxnSpPr>
+          <p:cNvPr id="18" name="肘形连接符 17"/>
+          <p:cNvCxnSpPr>
+            <a:stCxn id="14" idx="0"/>
+            <a:endCxn id="20" idx="2"/>
+          </p:cNvCxnSpPr>
+          <p:nvPr/>
+        </p:nvCxnSpPr>
+        <p:spPr>
+          <a:xfrm rot="5400000" flipH="1" flipV="1">
+            <a:off x="7613844" y="969786"/>
+            <a:ext cx="594411" cy="2088507"/>
+          </a:xfrm>
+          <a:prstGeom prst="bentConnector3">
+            <a:avLst/>
+          </a:prstGeom>
+          <a:ln w="28575">
+            <a:solidFill>
+              <a:schemeClr val="tx1"/>
+            </a:solidFill>
+            <a:tailEnd type="triangle"/>
+          </a:ln>
+        </p:spPr>
+        <p:style>
+          <a:lnRef idx="1">
+            <a:schemeClr val="accent1"/>
+          </a:lnRef>
+          <a:fillRef idx="0">
+            <a:schemeClr val="accent1"/>
+          </a:fillRef>
+          <a:effectRef idx="0">
+            <a:schemeClr val="accent1"/>
+          </a:effectRef>
+          <a:fontRef idx="minor">
+            <a:schemeClr val="tx1"/>
+          </a:fontRef>
+        </p:style>
+      </p:cxnSp>
+      <p:cxnSp>
+        <p:nvCxnSpPr>
+          <p:cNvPr id="33" name="肘形连接符 32"/>
+          <p:cNvCxnSpPr>
+            <a:stCxn id="25" idx="0"/>
+            <a:endCxn id="20" idx="2"/>
+          </p:cNvCxnSpPr>
+          <p:nvPr/>
+        </p:nvCxnSpPr>
+        <p:spPr>
+          <a:xfrm rot="5400000" flipH="1" flipV="1">
+            <a:off x="8349012" y="1704953"/>
+            <a:ext cx="594411" cy="618172"/>
+          </a:xfrm>
+          <a:prstGeom prst="bentConnector3">
+            <a:avLst/>
+          </a:prstGeom>
+          <a:ln w="28575">
+            <a:solidFill>
+              <a:schemeClr val="tx1"/>
+            </a:solidFill>
+            <a:prstDash val="sysDot"/>
+            <a:tailEnd type="triangle"/>
+          </a:ln>
+        </p:spPr>
+        <p:style>
+          <a:lnRef idx="1">
+            <a:schemeClr val="accent1"/>
+          </a:lnRef>
+          <a:fillRef idx="0">
+            <a:schemeClr val="accent1"/>
+          </a:fillRef>
+          <a:effectRef idx="0">
+            <a:schemeClr val="accent1"/>
+          </a:effectRef>
+          <a:fontRef idx="minor">
+            <a:schemeClr val="tx1"/>
+          </a:fontRef>
+        </p:style>
+      </p:cxnSp>
+      <p:cxnSp>
+        <p:nvCxnSpPr>
+          <p:cNvPr id="35" name="肘形连接符 34"/>
+          <p:cNvCxnSpPr>
+            <a:stCxn id="26" idx="0"/>
+            <a:endCxn id="20" idx="2"/>
+          </p:cNvCxnSpPr>
+          <p:nvPr/>
+        </p:nvCxnSpPr>
+        <p:spPr>
+          <a:xfrm rot="16200000" flipV="1">
+            <a:off x="9173123" y="1499014"/>
+            <a:ext cx="598713" cy="1034351"/>
+          </a:xfrm>
+          <a:prstGeom prst="bentConnector3">
+            <a:avLst/>
+          </a:prstGeom>
+          <a:ln w="28575">
+            <a:solidFill>
+              <a:schemeClr val="tx1"/>
+            </a:solidFill>
+            <a:prstDash val="sysDot"/>
+            <a:tailEnd type="triangle"/>
+          </a:ln>
+        </p:spPr>
+        <p:style>
+          <a:lnRef idx="1">
+            <a:schemeClr val="accent1"/>
+          </a:lnRef>
+          <a:fillRef idx="0">
+            <a:schemeClr val="accent1"/>
+          </a:fillRef>
+          <a:effectRef idx="0">
+            <a:schemeClr val="accent1"/>
+          </a:effectRef>
+          <a:fontRef idx="minor">
+            <a:schemeClr val="tx1"/>
+          </a:fontRef>
+        </p:style>
+      </p:cxnSp>
+      <p:cxnSp>
+        <p:nvCxnSpPr>
+          <p:cNvPr id="37" name="直接箭头连接符 36"/>
+          <p:cNvCxnSpPr>
+            <a:stCxn id="27" idx="0"/>
+            <a:endCxn id="25" idx="2"/>
+          </p:cNvCxnSpPr>
+          <p:nvPr/>
+        </p:nvCxnSpPr>
+        <p:spPr>
+          <a:xfrm flipV="1">
+            <a:off x="8336561" y="2936395"/>
+            <a:ext cx="570" cy="363037"/>
+          </a:xfrm>
+          <a:prstGeom prst="straightConnector1">
+            <a:avLst/>
+          </a:prstGeom>
+          <a:ln w="28575">
+            <a:solidFill>
+              <a:schemeClr val="tx1"/>
+            </a:solidFill>
+            <a:prstDash val="sysDot"/>
+            <a:tailEnd type="triangle"/>
+          </a:ln>
+        </p:spPr>
+        <p:style>
+          <a:lnRef idx="1">
+            <a:schemeClr val="accent1"/>
+          </a:lnRef>
+          <a:fillRef idx="0">
+            <a:schemeClr val="accent1"/>
+          </a:fillRef>
+          <a:effectRef idx="0">
+            <a:schemeClr val="accent1"/>
+          </a:effectRef>
+          <a:fontRef idx="minor">
+            <a:schemeClr val="tx1"/>
+          </a:fontRef>
+        </p:style>
+      </p:cxnSp>
+      <p:cxnSp>
+        <p:nvCxnSpPr>
+          <p:cNvPr id="39" name="直接箭头连接符 38"/>
+          <p:cNvCxnSpPr>
+            <a:stCxn id="30" idx="0"/>
+            <a:endCxn id="26" idx="2"/>
+          </p:cNvCxnSpPr>
+          <p:nvPr/>
+        </p:nvCxnSpPr>
+        <p:spPr>
+          <a:xfrm flipH="1" flipV="1">
+            <a:off x="9989654" y="2940697"/>
+            <a:ext cx="4852" cy="413069"/>
+          </a:xfrm>
+          <a:prstGeom prst="straightConnector1">
+            <a:avLst/>
+          </a:prstGeom>
+          <a:ln w="28575">
+            <a:solidFill>
+              <a:schemeClr val="tx1"/>
+            </a:solidFill>
+            <a:prstDash val="sysDot"/>
+            <a:tailEnd type="triangle"/>
+          </a:ln>
+        </p:spPr>
+        <p:style>
+          <a:lnRef idx="1">
+            <a:schemeClr val="accent1"/>
+          </a:lnRef>
+          <a:fillRef idx="0">
+            <a:schemeClr val="accent1"/>
+          </a:fillRef>
+          <a:effectRef idx="0">
             <a:schemeClr val="accent1"/>
           </a:effectRef>
           <a:fontRef idx="minor">
@@ -4138,7 +4827,7 @@
   <a:extraClrSchemeLst/>
   <a:extLst>
     <a:ext uri="{05A4C25C-085E-4340-85A3-A5531E510DB2}">
-      <thm15:themeFamily xmlns:thm15="http://schemas.microsoft.com/office/thememl/2012/main" xmlns="" name="Office Theme" id="{62F939B6-93AF-4DB8-9C6B-D6C7DFDC589F}" vid="{4A3C46E8-61CC-4603-A589-7422A47A8E4A}"/>
+      <thm15:themeFamily xmlns:thm15="http://schemas.microsoft.com/office/thememl/2012/main" name="Office Theme" id="{62F939B6-93AF-4DB8-9C6B-D6C7DFDC589F}" vid="{4A3C46E8-61CC-4603-A589-7422A47A8E4A}"/>
     </a:ext>
   </a:extLst>
 </a:theme>

--- a/figs/FTA_new.pptx
+++ b/figs/FTA_new.pptx
@@ -254,7 +254,7 @@
           <a:p>
             <a:fld id="{761B6ABD-93B7-431E-AFF4-DDF23AA121CD}" type="datetimeFigureOut">
               <a:rPr lang="en-US" smtClean="0"/>
-              <a:t>7/29/2015</a:t>
+              <a:t>8/4/2015</a:t>
             </a:fld>
             <a:endParaRPr lang="en-US"/>
           </a:p>
@@ -424,7 +424,7 @@
           <a:p>
             <a:fld id="{761B6ABD-93B7-431E-AFF4-DDF23AA121CD}" type="datetimeFigureOut">
               <a:rPr lang="en-US" smtClean="0"/>
-              <a:t>7/29/2015</a:t>
+              <a:t>8/4/2015</a:t>
             </a:fld>
             <a:endParaRPr lang="en-US"/>
           </a:p>
@@ -604,7 +604,7 @@
           <a:p>
             <a:fld id="{761B6ABD-93B7-431E-AFF4-DDF23AA121CD}" type="datetimeFigureOut">
               <a:rPr lang="en-US" smtClean="0"/>
-              <a:t>7/29/2015</a:t>
+              <a:t>8/4/2015</a:t>
             </a:fld>
             <a:endParaRPr lang="en-US"/>
           </a:p>
@@ -774,7 +774,7 @@
           <a:p>
             <a:fld id="{761B6ABD-93B7-431E-AFF4-DDF23AA121CD}" type="datetimeFigureOut">
               <a:rPr lang="en-US" smtClean="0"/>
-              <a:t>7/29/2015</a:t>
+              <a:t>8/4/2015</a:t>
             </a:fld>
             <a:endParaRPr lang="en-US"/>
           </a:p>
@@ -1020,7 +1020,7 @@
           <a:p>
             <a:fld id="{761B6ABD-93B7-431E-AFF4-DDF23AA121CD}" type="datetimeFigureOut">
               <a:rPr lang="en-US" smtClean="0"/>
-              <a:t>7/29/2015</a:t>
+              <a:t>8/4/2015</a:t>
             </a:fld>
             <a:endParaRPr lang="en-US"/>
           </a:p>
@@ -1252,7 +1252,7 @@
           <a:p>
             <a:fld id="{761B6ABD-93B7-431E-AFF4-DDF23AA121CD}" type="datetimeFigureOut">
               <a:rPr lang="en-US" smtClean="0"/>
-              <a:t>7/29/2015</a:t>
+              <a:t>8/4/2015</a:t>
             </a:fld>
             <a:endParaRPr lang="en-US"/>
           </a:p>
@@ -1619,7 +1619,7 @@
           <a:p>
             <a:fld id="{761B6ABD-93B7-431E-AFF4-DDF23AA121CD}" type="datetimeFigureOut">
               <a:rPr lang="en-US" smtClean="0"/>
-              <a:t>7/29/2015</a:t>
+              <a:t>8/4/2015</a:t>
             </a:fld>
             <a:endParaRPr lang="en-US"/>
           </a:p>
@@ -1737,7 +1737,7 @@
           <a:p>
             <a:fld id="{761B6ABD-93B7-431E-AFF4-DDF23AA121CD}" type="datetimeFigureOut">
               <a:rPr lang="en-US" smtClean="0"/>
-              <a:t>7/29/2015</a:t>
+              <a:t>8/4/2015</a:t>
             </a:fld>
             <a:endParaRPr lang="en-US"/>
           </a:p>
@@ -1832,7 +1832,7 @@
           <a:p>
             <a:fld id="{761B6ABD-93B7-431E-AFF4-DDF23AA121CD}" type="datetimeFigureOut">
               <a:rPr lang="en-US" smtClean="0"/>
-              <a:t>7/29/2015</a:t>
+              <a:t>8/4/2015</a:t>
             </a:fld>
             <a:endParaRPr lang="en-US"/>
           </a:p>
@@ -2109,7 +2109,7 @@
           <a:p>
             <a:fld id="{761B6ABD-93B7-431E-AFF4-DDF23AA121CD}" type="datetimeFigureOut">
               <a:rPr lang="en-US" smtClean="0"/>
-              <a:t>7/29/2015</a:t>
+              <a:t>8/4/2015</a:t>
             </a:fld>
             <a:endParaRPr lang="en-US"/>
           </a:p>
@@ -2362,7 +2362,7 @@
           <a:p>
             <a:fld id="{761B6ABD-93B7-431E-AFF4-DDF23AA121CD}" type="datetimeFigureOut">
               <a:rPr lang="en-US" smtClean="0"/>
-              <a:t>7/29/2015</a:t>
+              <a:t>8/4/2015</a:t>
             </a:fld>
             <a:endParaRPr lang="en-US"/>
           </a:p>
@@ -2575,7 +2575,7 @@
           <a:p>
             <a:fld id="{761B6ABD-93B7-431E-AFF4-DDF23AA121CD}" type="datetimeFigureOut">
               <a:rPr lang="en-US" smtClean="0"/>
-              <a:t>7/29/2015</a:t>
+              <a:t>8/4/2015</a:t>
             </a:fld>
             <a:endParaRPr lang="en-US"/>
           </a:p>
@@ -3889,22 +3889,22 @@
       </p:cxnSp>
       <p:sp>
         <p:nvSpPr>
-          <p:cNvPr id="20" name="矩形 19"/>
+          <p:cNvPr id="50" name="矩形 49"/>
           <p:cNvSpPr/>
           <p:nvPr/>
         </p:nvSpPr>
         <p:spPr>
           <a:xfrm>
-            <a:off x="8337400" y="1091682"/>
-            <a:ext cx="1235805" cy="625151"/>
+            <a:off x="7208279" y="1026366"/>
+            <a:ext cx="1943877" cy="690466"/>
           </a:xfrm>
           <a:prstGeom prst="rect">
             <a:avLst/>
           </a:prstGeom>
           <a:noFill/>
-          <a:ln w="28575" cmpd="sng">
+          <a:ln w="19050">
             <a:solidFill>
-              <a:srgbClr val="000000"/>
+              <a:schemeClr val="tx1"/>
             </a:solidFill>
           </a:ln>
         </p:spPr>
@@ -3928,14 +3928,18 @@
           <a:bodyPr rtlCol="0" anchor="ctr"/>
           <a:lstStyle/>
           <a:p>
-            <a:pPr algn="ctr"/>
-            <a:r>
-              <a:rPr lang="en-US" altLang="zh-CN" dirty="0" smtClean="0">
+            <a:pPr algn="ctr">
+              <a:lnSpc>
+                <a:spcPts val="1700"/>
+              </a:lnSpc>
+            </a:pPr>
+            <a:r>
+              <a:rPr lang="en-US" dirty="0" smtClean="0">
                 <a:solidFill>
                   <a:schemeClr val="tx1"/>
                 </a:solidFill>
               </a:rPr>
-              <a:t>Ventricular rate high</a:t>
+              <a:t>Ventricular rate faster than physiological need</a:t>
             </a:r>
             <a:endParaRPr lang="en-US" dirty="0">
               <a:solidFill>
@@ -3947,62 +3951,23 @@
       </p:sp>
       <p:sp>
         <p:nvSpPr>
-          <p:cNvPr id="23" name="文本框 22"/>
-          <p:cNvSpPr txBox="1"/>
+          <p:cNvPr id="51" name="椭圆 50"/>
+          <p:cNvSpPr/>
           <p:nvPr/>
         </p:nvSpPr>
         <p:spPr>
           <a:xfrm>
-            <a:off x="6229377" y="2558372"/>
-            <a:ext cx="1274837" cy="646331"/>
-          </a:xfrm>
-          <a:prstGeom prst="rect">
+            <a:off x="6324924" y="2245984"/>
+            <a:ext cx="1236034" cy="1236034"/>
+          </a:xfrm>
+          <a:prstGeom prst="ellipse">
             <a:avLst/>
           </a:prstGeom>
           <a:noFill/>
-        </p:spPr>
-        <p:txBody>
-          <a:bodyPr wrap="none" rtlCol="0">
-            <a:spAutoFit/>
-          </a:bodyPr>
-          <a:lstStyle/>
-          <a:p>
-            <a:pPr algn="ctr"/>
-            <a:r>
-              <a:rPr kumimoji="1" lang="en-US" altLang="zh-CN" dirty="0" smtClean="0"/>
-              <a:t>Ventricular</a:t>
-            </a:r>
-          </a:p>
-          <a:p>
-            <a:pPr algn="ctr"/>
-            <a:r>
-              <a:rPr kumimoji="1" lang="en-US" altLang="zh-CN" dirty="0" smtClean="0"/>
-              <a:t>Tachycardia</a:t>
-            </a:r>
-            <a:endParaRPr kumimoji="1" lang="zh-CN" altLang="en-US" dirty="0"/>
-          </a:p>
-        </p:txBody>
-      </p:sp>
-      <p:sp>
-        <p:nvSpPr>
-          <p:cNvPr id="25" name="矩形 24"/>
-          <p:cNvSpPr/>
-          <p:nvPr/>
-        </p:nvSpPr>
-        <p:spPr>
-          <a:xfrm>
-            <a:off x="7654613" y="2311244"/>
-            <a:ext cx="1365036" cy="625151"/>
-          </a:xfrm>
-          <a:prstGeom prst="rect">
-            <a:avLst/>
-          </a:prstGeom>
-          <a:noFill/>
-          <a:ln w="28575" cmpd="sng">
+          <a:ln w="19050">
             <a:solidFill>
-              <a:srgbClr val="000000"/>
+              <a:schemeClr val="tx1"/>
             </a:solidFill>
-            <a:prstDash val="sysDot"/>
           </a:ln>
         </p:spPr>
         <p:style>
@@ -4025,91 +3990,90 @@
           <a:bodyPr rtlCol="0" anchor="ctr"/>
           <a:lstStyle/>
           <a:p>
-            <a:pPr algn="ctr"/>
-            <a:r>
-              <a:rPr lang="en-US" altLang="zh-CN" dirty="0" smtClean="0">
-                <a:solidFill>
-                  <a:schemeClr val="tx1"/>
-                </a:solidFill>
-              </a:rPr>
-              <a:t>Tracking fast atrial rate</a:t>
-            </a:r>
-            <a:endParaRPr lang="en-US" dirty="0">
-              <a:solidFill>
-                <a:schemeClr val="tx1"/>
-              </a:solidFill>
-            </a:endParaRPr>
-          </a:p>
-        </p:txBody>
-      </p:sp>
-      <p:sp>
-        <p:nvSpPr>
-          <p:cNvPr id="14" name="椭圆 13"/>
-          <p:cNvSpPr/>
+            <a:pPr algn="ctr">
+              <a:lnSpc>
+                <a:spcPts val="1700"/>
+              </a:lnSpc>
+            </a:pPr>
+            <a:endParaRPr lang="en-US" dirty="0"/>
+          </a:p>
+        </p:txBody>
+      </p:sp>
+      <p:sp>
+        <p:nvSpPr>
+          <p:cNvPr id="52" name="文本框 51"/>
+          <p:cNvSpPr txBox="1"/>
           <p:nvPr/>
         </p:nvSpPr>
         <p:spPr>
           <a:xfrm>
-            <a:off x="6296502" y="2311244"/>
-            <a:ext cx="1140588" cy="1140588"/>
-          </a:xfrm>
-          <a:prstGeom prst="ellipse">
-            <a:avLst/>
-          </a:prstGeom>
-          <a:noFill/>
-          <a:ln w="28575" cmpd="sng">
-            <a:solidFill>
-              <a:srgbClr val="000000"/>
-            </a:solidFill>
-          </a:ln>
-        </p:spPr>
-        <p:style>
-          <a:lnRef idx="1">
-            <a:schemeClr val="accent1"/>
-          </a:lnRef>
-          <a:fillRef idx="3">
-            <a:schemeClr val="accent1"/>
-          </a:fillRef>
-          <a:effectRef idx="2">
-            <a:schemeClr val="accent1"/>
-          </a:effectRef>
-          <a:fontRef idx="minor">
-            <a:schemeClr val="lt1"/>
-          </a:fontRef>
-        </p:style>
-        <p:txBody>
-          <a:bodyPr rtlCol="0" anchor="ctr"/>
-          <a:lstStyle/>
-          <a:p>
-            <a:pPr algn="ctr"/>
-            <a:endParaRPr kumimoji="1" lang="en-US">
-              <a:solidFill>
-                <a:srgbClr val="000000"/>
-              </a:solidFill>
-            </a:endParaRPr>
-          </a:p>
-        </p:txBody>
-      </p:sp>
-      <p:sp>
-        <p:nvSpPr>
-          <p:cNvPr id="26" name="矩形 25"/>
-          <p:cNvSpPr/>
-          <p:nvPr/>
-        </p:nvSpPr>
-        <p:spPr>
-          <a:xfrm>
-            <a:off x="9307136" y="2315546"/>
-            <a:ext cx="1365036" cy="625151"/>
+            <a:off x="6308430" y="2491275"/>
+            <a:ext cx="1254766" cy="752770"/>
           </a:xfrm>
           <a:prstGeom prst="rect">
             <a:avLst/>
           </a:prstGeom>
           <a:noFill/>
-          <a:ln w="28575" cmpd="sng">
+        </p:spPr>
+        <p:txBody>
+          <a:bodyPr wrap="none" rtlCol="0">
+            <a:spAutoFit/>
+          </a:bodyPr>
+          <a:lstStyle/>
+          <a:p>
+            <a:pPr algn="ctr">
+              <a:lnSpc>
+                <a:spcPts val="1700"/>
+              </a:lnSpc>
+            </a:pPr>
+            <a:r>
+              <a:rPr lang="en-US" dirty="0" smtClean="0"/>
+              <a:t>Intrinsic </a:t>
+            </a:r>
+          </a:p>
+          <a:p>
+            <a:pPr algn="ctr">
+              <a:lnSpc>
+                <a:spcPts val="1700"/>
+              </a:lnSpc>
+            </a:pPr>
+            <a:r>
+              <a:rPr lang="en-US" dirty="0" smtClean="0"/>
+              <a:t>Ventricular</a:t>
+            </a:r>
+          </a:p>
+          <a:p>
+            <a:pPr algn="ctr">
+              <a:lnSpc>
+                <a:spcPts val="1700"/>
+              </a:lnSpc>
+            </a:pPr>
+            <a:r>
+              <a:rPr lang="en-US" dirty="0" smtClean="0"/>
+              <a:t>tachycardia</a:t>
+            </a:r>
+          </a:p>
+        </p:txBody>
+      </p:sp>
+      <p:sp>
+        <p:nvSpPr>
+          <p:cNvPr id="53" name="矩形 52"/>
+          <p:cNvSpPr/>
+          <p:nvPr/>
+        </p:nvSpPr>
+        <p:spPr>
+          <a:xfrm>
+            <a:off x="8349724" y="2320230"/>
+            <a:ext cx="2142930" cy="923815"/>
+          </a:xfrm>
+          <a:prstGeom prst="rect">
+            <a:avLst/>
+          </a:prstGeom>
+          <a:noFill/>
+          <a:ln w="19050">
             <a:solidFill>
-              <a:srgbClr val="000000"/>
+              <a:schemeClr val="tx1"/>
             </a:solidFill>
-            <a:prstDash val="sysDot"/>
           </a:ln>
         </p:spPr>
         <p:style>
@@ -4132,14 +4096,18 @@
           <a:bodyPr rtlCol="0" anchor="ctr"/>
           <a:lstStyle/>
           <a:p>
-            <a:pPr algn="ctr"/>
-            <a:r>
-              <a:rPr lang="en-US" altLang="zh-CN" dirty="0" smtClean="0">
+            <a:pPr algn="ctr">
+              <a:lnSpc>
+                <a:spcPts val="1700"/>
+              </a:lnSpc>
+            </a:pPr>
+            <a:r>
+              <a:rPr lang="en-US" dirty="0" smtClean="0">
                 <a:solidFill>
                   <a:schemeClr val="tx1"/>
                 </a:solidFill>
               </a:rPr>
-              <a:t>Endless loop tachycardia</a:t>
+              <a:t>Pacemaker increases Ventricular rate faster than physiological need</a:t>
             </a:r>
             <a:endParaRPr lang="en-US" dirty="0">
               <a:solidFill>
@@ -4149,249 +4117,38 @@
           </a:p>
         </p:txBody>
       </p:sp>
-      <p:sp>
-        <p:nvSpPr>
-          <p:cNvPr id="27" name="椭圆 26"/>
-          <p:cNvSpPr/>
+      <p:cxnSp>
+        <p:nvCxnSpPr>
+          <p:cNvPr id="54" name="肘形连接符 53"/>
+          <p:cNvCxnSpPr>
+            <a:stCxn id="51" idx="0"/>
+            <a:endCxn id="50" idx="2"/>
+          </p:cNvCxnSpPr>
           <p:nvPr/>
-        </p:nvSpPr>
-        <p:spPr>
-          <a:xfrm>
-            <a:off x="7603819" y="3299432"/>
-            <a:ext cx="1465483" cy="1465483"/>
-          </a:xfrm>
-          <a:prstGeom prst="ellipse">
+        </p:nvCxnSpPr>
+        <p:spPr>
+          <a:xfrm rot="5400000" flipH="1" flipV="1">
+            <a:off x="7297003" y="1362770"/>
+            <a:ext cx="529152" cy="1237277"/>
+          </a:xfrm>
+          <a:prstGeom prst="bentConnector3">
             <a:avLst/>
           </a:prstGeom>
-          <a:solidFill>
-            <a:srgbClr val="FFFFFF"/>
-          </a:solidFill>
           <a:ln w="28575" cmpd="sng">
             <a:solidFill>
               <a:srgbClr val="000000"/>
             </a:solidFill>
-            <a:prstDash val="sysDot"/>
+            <a:tailEnd type="arrow"/>
           </a:ln>
         </p:spPr>
         <p:style>
-          <a:lnRef idx="1">
-            <a:schemeClr val="accent1"/>
-          </a:lnRef>
-          <a:fillRef idx="3">
-            <a:schemeClr val="accent1"/>
-          </a:fillRef>
-          <a:effectRef idx="2">
-            <a:schemeClr val="accent1"/>
-          </a:effectRef>
-          <a:fontRef idx="minor">
-            <a:schemeClr val="lt1"/>
-          </a:fontRef>
-        </p:style>
-        <p:txBody>
-          <a:bodyPr rtlCol="0" anchor="ctr"/>
-          <a:lstStyle/>
-          <a:p>
-            <a:pPr algn="ctr"/>
-            <a:endParaRPr kumimoji="1" lang="zh-CN" altLang="en-US" dirty="0">
-              <a:solidFill>
-                <a:srgbClr val="000000"/>
-              </a:solidFill>
-            </a:endParaRPr>
-          </a:p>
-        </p:txBody>
-      </p:sp>
-      <p:sp>
-        <p:nvSpPr>
-          <p:cNvPr id="28" name="文本框 27"/>
-          <p:cNvSpPr txBox="1"/>
-          <p:nvPr/>
-        </p:nvSpPr>
-        <p:spPr>
-          <a:xfrm>
-            <a:off x="7663891" y="3274732"/>
-            <a:ext cx="1426481" cy="1477328"/>
-          </a:xfrm>
-          <a:prstGeom prst="rect">
-            <a:avLst/>
-          </a:prstGeom>
-          <a:noFill/>
-          <a:ln>
-            <a:noFill/>
-            <a:prstDash val="sysDot"/>
-          </a:ln>
-        </p:spPr>
-        <p:txBody>
-          <a:bodyPr wrap="none" rtlCol="0">
-            <a:spAutoFit/>
-          </a:bodyPr>
-          <a:lstStyle/>
-          <a:p>
-            <a:pPr algn="ctr"/>
-            <a:r>
-              <a:rPr kumimoji="1" lang="en-US" altLang="zh-CN" dirty="0" smtClean="0"/>
-              <a:t>Pace</a:t>
-            </a:r>
-          </a:p>
-          <a:p>
-            <a:pPr algn="ctr"/>
-            <a:r>
-              <a:rPr kumimoji="1" lang="en-US" altLang="zh-CN" dirty="0" smtClean="0"/>
-              <a:t>Ventricle</a:t>
-            </a:r>
-          </a:p>
-          <a:p>
-            <a:pPr algn="ctr"/>
-            <a:r>
-              <a:rPr kumimoji="1" lang="en-US" altLang="zh-CN" dirty="0" smtClean="0"/>
-              <a:t>after each</a:t>
-            </a:r>
-            <a:endParaRPr kumimoji="1" lang="en-US" altLang="zh-CN" dirty="0" smtClean="0"/>
-          </a:p>
-          <a:p>
-            <a:pPr algn="ctr"/>
-            <a:r>
-              <a:rPr kumimoji="1" lang="en-US" altLang="zh-CN" dirty="0" smtClean="0"/>
-              <a:t>sensed atrial </a:t>
-            </a:r>
-          </a:p>
-          <a:p>
-            <a:pPr algn="ctr"/>
-            <a:r>
-              <a:rPr kumimoji="1" lang="en-US" altLang="zh-CN" dirty="0" smtClean="0"/>
-              <a:t>event</a:t>
-            </a:r>
-            <a:endParaRPr kumimoji="1" lang="zh-CN" altLang="en-US" dirty="0"/>
-          </a:p>
-        </p:txBody>
-      </p:sp>
-      <p:sp>
-        <p:nvSpPr>
-          <p:cNvPr id="30" name="椭圆 29"/>
-          <p:cNvSpPr/>
-          <p:nvPr/>
-        </p:nvSpPr>
-        <p:spPr>
-          <a:xfrm>
-            <a:off x="9380104" y="3353766"/>
-            <a:ext cx="1228803" cy="1228803"/>
-          </a:xfrm>
-          <a:prstGeom prst="ellipse">
-            <a:avLst/>
-          </a:prstGeom>
-          <a:solidFill>
-            <a:srgbClr val="FFFFFF"/>
-          </a:solidFill>
-          <a:ln w="28575" cmpd="sng">
-            <a:solidFill>
-              <a:srgbClr val="000000"/>
-            </a:solidFill>
-            <a:prstDash val="sysDot"/>
-          </a:ln>
-        </p:spPr>
-        <p:style>
-          <a:lnRef idx="1">
-            <a:schemeClr val="accent1"/>
-          </a:lnRef>
-          <a:fillRef idx="3">
-            <a:schemeClr val="accent1"/>
-          </a:fillRef>
-          <a:effectRef idx="2">
-            <a:schemeClr val="accent1"/>
-          </a:effectRef>
-          <a:fontRef idx="minor">
-            <a:schemeClr val="lt1"/>
-          </a:fontRef>
-        </p:style>
-        <p:txBody>
-          <a:bodyPr rtlCol="0" anchor="ctr"/>
-          <a:lstStyle/>
-          <a:p>
-            <a:pPr algn="ctr"/>
-            <a:endParaRPr kumimoji="1" lang="zh-CN" altLang="en-US" dirty="0">
-              <a:solidFill>
-                <a:srgbClr val="000000"/>
-              </a:solidFill>
-            </a:endParaRPr>
-          </a:p>
-        </p:txBody>
-      </p:sp>
-      <p:sp>
-        <p:nvSpPr>
-          <p:cNvPr id="31" name="文本框 30"/>
-          <p:cNvSpPr txBox="1"/>
-          <p:nvPr/>
-        </p:nvSpPr>
-        <p:spPr>
-          <a:xfrm>
-            <a:off x="9380104" y="3475886"/>
-            <a:ext cx="1256306" cy="923330"/>
-          </a:xfrm>
-          <a:prstGeom prst="rect">
-            <a:avLst/>
-          </a:prstGeom>
-          <a:noFill/>
-        </p:spPr>
-        <p:txBody>
-          <a:bodyPr wrap="none" rtlCol="0">
-            <a:spAutoFit/>
-          </a:bodyPr>
-          <a:lstStyle/>
-          <a:p>
-            <a:pPr algn="ctr"/>
-            <a:r>
-              <a:rPr kumimoji="1" lang="en-US" altLang="zh-CN" dirty="0" smtClean="0"/>
-              <a:t>Premature</a:t>
-            </a:r>
-          </a:p>
-          <a:p>
-            <a:pPr algn="ctr"/>
-            <a:r>
-              <a:rPr kumimoji="1" lang="en-US" altLang="zh-CN" dirty="0" smtClean="0"/>
-              <a:t>Ventricular</a:t>
-            </a:r>
-          </a:p>
-          <a:p>
-            <a:pPr algn="ctr"/>
-            <a:r>
-              <a:rPr kumimoji="1" lang="en-US" altLang="zh-CN" dirty="0" smtClean="0"/>
-              <a:t>contraction</a:t>
-            </a:r>
-            <a:endParaRPr kumimoji="1" lang="zh-CN" altLang="en-US" dirty="0"/>
-          </a:p>
-        </p:txBody>
-      </p:sp>
-      <p:cxnSp>
-        <p:nvCxnSpPr>
-          <p:cNvPr id="18" name="肘形连接符 17"/>
-          <p:cNvCxnSpPr>
-            <a:stCxn id="14" idx="0"/>
-            <a:endCxn id="20" idx="2"/>
-          </p:cNvCxnSpPr>
-          <p:nvPr/>
-        </p:nvCxnSpPr>
-        <p:spPr>
-          <a:xfrm rot="5400000" flipH="1" flipV="1">
-            <a:off x="7613844" y="969786"/>
-            <a:ext cx="594411" cy="2088507"/>
-          </a:xfrm>
-          <a:prstGeom prst="bentConnector3">
-            <a:avLst/>
-          </a:prstGeom>
-          <a:ln w="28575">
-            <a:solidFill>
-              <a:schemeClr val="tx1"/>
-            </a:solidFill>
-            <a:tailEnd type="triangle"/>
-          </a:ln>
-        </p:spPr>
-        <p:style>
-          <a:lnRef idx="1">
+          <a:lnRef idx="2">
             <a:schemeClr val="accent1"/>
           </a:lnRef>
           <a:fillRef idx="0">
             <a:schemeClr val="accent1"/>
           </a:fillRef>
-          <a:effectRef idx="0">
+          <a:effectRef idx="1">
             <a:schemeClr val="accent1"/>
           </a:effectRef>
           <a:fontRef idx="minor">
@@ -4401,37 +4158,379 @@
       </p:cxnSp>
       <p:cxnSp>
         <p:nvCxnSpPr>
-          <p:cNvPr id="33" name="肘形连接符 32"/>
+          <p:cNvPr id="55" name="肘形连接符 54"/>
           <p:cNvCxnSpPr>
-            <a:stCxn id="25" idx="0"/>
-            <a:endCxn id="20" idx="2"/>
+            <a:stCxn id="53" idx="0"/>
+            <a:endCxn id="50" idx="2"/>
           </p:cNvCxnSpPr>
           <p:nvPr/>
         </p:nvCxnSpPr>
         <p:spPr>
+          <a:xfrm rot="16200000" flipV="1">
+            <a:off x="8499005" y="1398045"/>
+            <a:ext cx="603398" cy="1240971"/>
+          </a:xfrm>
+          <a:prstGeom prst="bentConnector3">
+            <a:avLst>
+              <a:gd name="adj1" fmla="val 56185"/>
+            </a:avLst>
+          </a:prstGeom>
+          <a:ln w="28575" cmpd="sng">
+            <a:solidFill>
+              <a:srgbClr val="000000"/>
+            </a:solidFill>
+            <a:prstDash val="sysDot"/>
+            <a:tailEnd type="arrow"/>
+          </a:ln>
+        </p:spPr>
+        <p:style>
+          <a:lnRef idx="2">
+            <a:schemeClr val="accent1"/>
+          </a:lnRef>
+          <a:fillRef idx="0">
+            <a:schemeClr val="accent1"/>
+          </a:fillRef>
+          <a:effectRef idx="1">
+            <a:schemeClr val="accent1"/>
+          </a:effectRef>
+          <a:fontRef idx="minor">
+            <a:schemeClr val="tx1"/>
+          </a:fontRef>
+        </p:style>
+      </p:cxnSp>
+      <p:sp>
+        <p:nvSpPr>
+          <p:cNvPr id="56" name="椭圆 55"/>
+          <p:cNvSpPr/>
+          <p:nvPr/>
+        </p:nvSpPr>
+        <p:spPr>
+          <a:xfrm>
+            <a:off x="7214504" y="3634591"/>
+            <a:ext cx="1506572" cy="1506572"/>
+          </a:xfrm>
+          <a:prstGeom prst="ellipse">
+            <a:avLst/>
+          </a:prstGeom>
+          <a:noFill/>
+          <a:ln w="19050">
+            <a:solidFill>
+              <a:schemeClr val="tx1"/>
+            </a:solidFill>
+          </a:ln>
+        </p:spPr>
+        <p:style>
+          <a:lnRef idx="2">
+            <a:schemeClr val="accent1">
+              <a:shade val="50000"/>
+            </a:schemeClr>
+          </a:lnRef>
+          <a:fillRef idx="1">
+            <a:schemeClr val="accent1"/>
+          </a:fillRef>
+          <a:effectRef idx="0">
+            <a:schemeClr val="accent1"/>
+          </a:effectRef>
+          <a:fontRef idx="minor">
+            <a:schemeClr val="lt1"/>
+          </a:fontRef>
+        </p:style>
+        <p:txBody>
+          <a:bodyPr rtlCol="0" anchor="ctr"/>
+          <a:lstStyle/>
+          <a:p>
+            <a:pPr algn="ctr">
+              <a:lnSpc>
+                <a:spcPts val="1700"/>
+              </a:lnSpc>
+            </a:pPr>
+            <a:endParaRPr lang="en-US" dirty="0"/>
+          </a:p>
+        </p:txBody>
+      </p:sp>
+      <p:sp>
+        <p:nvSpPr>
+          <p:cNvPr id="57" name="文本框 56"/>
+          <p:cNvSpPr txBox="1"/>
+          <p:nvPr/>
+        </p:nvSpPr>
+        <p:spPr>
+          <a:xfrm>
+            <a:off x="7204933" y="3989385"/>
+            <a:ext cx="1576714" cy="964367"/>
+          </a:xfrm>
+          <a:prstGeom prst="rect">
+            <a:avLst/>
+          </a:prstGeom>
+          <a:noFill/>
+        </p:spPr>
+        <p:txBody>
+          <a:bodyPr wrap="none" rtlCol="0">
+            <a:spAutoFit/>
+          </a:bodyPr>
+          <a:lstStyle/>
+          <a:p>
+            <a:pPr algn="ctr">
+              <a:lnSpc>
+                <a:spcPts val="1700"/>
+              </a:lnSpc>
+            </a:pPr>
+            <a:r>
+              <a:rPr lang="en-US" dirty="0" smtClean="0"/>
+              <a:t>A-V synchrony </a:t>
+            </a:r>
+          </a:p>
+          <a:p>
+            <a:pPr algn="ctr">
+              <a:lnSpc>
+                <a:spcPts val="1700"/>
+              </a:lnSpc>
+            </a:pPr>
+            <a:r>
+              <a:rPr lang="en-US" dirty="0" smtClean="0"/>
+              <a:t>extends fast </a:t>
+            </a:r>
+          </a:p>
+          <a:p>
+            <a:pPr algn="ctr">
+              <a:lnSpc>
+                <a:spcPts val="1700"/>
+              </a:lnSpc>
+            </a:pPr>
+            <a:r>
+              <a:rPr lang="en-US" dirty="0" smtClean="0"/>
+              <a:t>Atrial rate to </a:t>
+            </a:r>
+          </a:p>
+          <a:p>
+            <a:pPr algn="ctr">
+              <a:lnSpc>
+                <a:spcPts val="1700"/>
+              </a:lnSpc>
+            </a:pPr>
+            <a:r>
+              <a:rPr lang="en-US" dirty="0" smtClean="0"/>
+              <a:t>the ventricle</a:t>
+            </a:r>
+          </a:p>
+        </p:txBody>
+      </p:sp>
+      <p:sp>
+        <p:nvSpPr>
+          <p:cNvPr id="58" name="椭圆 57"/>
+          <p:cNvSpPr/>
+          <p:nvPr/>
+        </p:nvSpPr>
+        <p:spPr>
+          <a:xfrm>
+            <a:off x="9275756" y="4541978"/>
+            <a:ext cx="1194917" cy="1194917"/>
+          </a:xfrm>
+          <a:prstGeom prst="ellipse">
+            <a:avLst/>
+          </a:prstGeom>
+          <a:noFill/>
+          <a:ln w="19050">
+            <a:solidFill>
+              <a:schemeClr val="tx1"/>
+            </a:solidFill>
+          </a:ln>
+        </p:spPr>
+        <p:style>
+          <a:lnRef idx="2">
+            <a:schemeClr val="accent1">
+              <a:shade val="50000"/>
+            </a:schemeClr>
+          </a:lnRef>
+          <a:fillRef idx="1">
+            <a:schemeClr val="accent1"/>
+          </a:fillRef>
+          <a:effectRef idx="0">
+            <a:schemeClr val="accent1"/>
+          </a:effectRef>
+          <a:fontRef idx="minor">
+            <a:schemeClr val="lt1"/>
+          </a:fontRef>
+        </p:style>
+        <p:txBody>
+          <a:bodyPr rtlCol="0" anchor="ctr"/>
+          <a:lstStyle/>
+          <a:p>
+            <a:pPr algn="ctr">
+              <a:lnSpc>
+                <a:spcPts val="1700"/>
+              </a:lnSpc>
+            </a:pPr>
+            <a:endParaRPr lang="en-US" dirty="0"/>
+          </a:p>
+        </p:txBody>
+      </p:sp>
+      <p:sp>
+        <p:nvSpPr>
+          <p:cNvPr id="59" name="文本框 58"/>
+          <p:cNvSpPr txBox="1"/>
+          <p:nvPr/>
+        </p:nvSpPr>
+        <p:spPr>
+          <a:xfrm>
+            <a:off x="9239869" y="4778006"/>
+            <a:ext cx="1266692" cy="746358"/>
+          </a:xfrm>
+          <a:prstGeom prst="rect">
+            <a:avLst/>
+          </a:prstGeom>
+          <a:noFill/>
+        </p:spPr>
+        <p:txBody>
+          <a:bodyPr wrap="none" rtlCol="0">
+            <a:spAutoFit/>
+          </a:bodyPr>
+          <a:lstStyle/>
+          <a:p>
+            <a:pPr algn="ctr">
+              <a:lnSpc>
+                <a:spcPts val="1700"/>
+              </a:lnSpc>
+            </a:pPr>
+            <a:r>
+              <a:rPr lang="en-US" dirty="0" smtClean="0"/>
+              <a:t>Retrograde</a:t>
+            </a:r>
+          </a:p>
+          <a:p>
+            <a:pPr algn="ctr">
+              <a:lnSpc>
+                <a:spcPts val="1700"/>
+              </a:lnSpc>
+            </a:pPr>
+            <a:r>
+              <a:rPr lang="en-US" dirty="0" smtClean="0"/>
+              <a:t>V-A</a:t>
+            </a:r>
+          </a:p>
+          <a:p>
+            <a:pPr algn="ctr">
+              <a:lnSpc>
+                <a:spcPts val="1700"/>
+              </a:lnSpc>
+            </a:pPr>
+            <a:r>
+              <a:rPr lang="en-US" dirty="0" smtClean="0"/>
+              <a:t>Conduction</a:t>
+            </a:r>
+          </a:p>
+        </p:txBody>
+      </p:sp>
+      <p:sp>
+        <p:nvSpPr>
+          <p:cNvPr id="60" name="矩形 59"/>
+          <p:cNvSpPr/>
+          <p:nvPr/>
+        </p:nvSpPr>
+        <p:spPr>
+          <a:xfrm>
+            <a:off x="9199856" y="3738814"/>
+            <a:ext cx="1346718" cy="550621"/>
+          </a:xfrm>
+          <a:prstGeom prst="rect">
+            <a:avLst/>
+          </a:prstGeom>
+          <a:noFill/>
+          <a:ln w="19050">
+            <a:solidFill>
+              <a:schemeClr val="tx1"/>
+            </a:solidFill>
+          </a:ln>
+        </p:spPr>
+        <p:style>
+          <a:lnRef idx="2">
+            <a:schemeClr val="accent1">
+              <a:shade val="50000"/>
+            </a:schemeClr>
+          </a:lnRef>
+          <a:fillRef idx="1">
+            <a:schemeClr val="accent1"/>
+          </a:fillRef>
+          <a:effectRef idx="0">
+            <a:schemeClr val="accent1"/>
+          </a:effectRef>
+          <a:fontRef idx="minor">
+            <a:schemeClr val="lt1"/>
+          </a:fontRef>
+        </p:style>
+        <p:txBody>
+          <a:bodyPr rtlCol="0" anchor="ctr"/>
+          <a:lstStyle/>
+          <a:p>
+            <a:pPr algn="ctr">
+              <a:lnSpc>
+                <a:spcPts val="1700"/>
+              </a:lnSpc>
+            </a:pPr>
+            <a:r>
+              <a:rPr lang="en-US" dirty="0" smtClean="0">
+                <a:solidFill>
+                  <a:schemeClr val="tx1"/>
+                </a:solidFill>
+              </a:rPr>
+              <a:t>Endless loop</a:t>
+            </a:r>
+          </a:p>
+          <a:p>
+            <a:pPr algn="ctr">
+              <a:lnSpc>
+                <a:spcPts val="1700"/>
+              </a:lnSpc>
+            </a:pPr>
+            <a:r>
+              <a:rPr lang="en-US" dirty="0" smtClean="0">
+                <a:solidFill>
+                  <a:schemeClr val="tx1"/>
+                </a:solidFill>
+              </a:rPr>
+              <a:t>Tachycardia</a:t>
+            </a:r>
+            <a:endParaRPr lang="en-US" dirty="0">
+              <a:solidFill>
+                <a:schemeClr val="tx1"/>
+              </a:solidFill>
+            </a:endParaRPr>
+          </a:p>
+        </p:txBody>
+      </p:sp>
+      <p:cxnSp>
+        <p:nvCxnSpPr>
+          <p:cNvPr id="61" name="肘形连接符 60"/>
+          <p:cNvCxnSpPr>
+            <a:stCxn id="56" idx="0"/>
+            <a:endCxn id="53" idx="2"/>
+          </p:cNvCxnSpPr>
+          <p:nvPr/>
+        </p:nvCxnSpPr>
+        <p:spPr>
           <a:xfrm rot="5400000" flipH="1" flipV="1">
-            <a:off x="8349012" y="1704953"/>
-            <a:ext cx="594411" cy="618172"/>
+            <a:off x="8499216" y="2712619"/>
+            <a:ext cx="390546" cy="1453399"/>
           </a:xfrm>
           <a:prstGeom prst="bentConnector3">
             <a:avLst/>
           </a:prstGeom>
-          <a:ln w="28575">
+          <a:ln w="28575" cmpd="sng">
             <a:solidFill>
-              <a:schemeClr val="tx1"/>
+              <a:srgbClr val="000000"/>
             </a:solidFill>
             <a:prstDash val="sysDot"/>
-            <a:tailEnd type="triangle"/>
+            <a:tailEnd type="arrow"/>
           </a:ln>
         </p:spPr>
         <p:style>
-          <a:lnRef idx="1">
+          <a:lnRef idx="2">
             <a:schemeClr val="accent1"/>
           </a:lnRef>
           <a:fillRef idx="0">
             <a:schemeClr val="accent1"/>
           </a:fillRef>
-          <a:effectRef idx="0">
+          <a:effectRef idx="1">
             <a:schemeClr val="accent1"/>
           </a:effectRef>
           <a:fontRef idx="minor">
@@ -4441,37 +4540,39 @@
       </p:cxnSp>
       <p:cxnSp>
         <p:nvCxnSpPr>
-          <p:cNvPr id="35" name="肘形连接符 34"/>
+          <p:cNvPr id="62" name="肘形连接符 61"/>
           <p:cNvCxnSpPr>
-            <a:stCxn id="26" idx="0"/>
-            <a:endCxn id="20" idx="2"/>
+            <a:stCxn id="60" idx="0"/>
+            <a:endCxn id="53" idx="2"/>
           </p:cNvCxnSpPr>
           <p:nvPr/>
         </p:nvCxnSpPr>
         <p:spPr>
           <a:xfrm rot="16200000" flipV="1">
-            <a:off x="9173123" y="1499014"/>
-            <a:ext cx="598713" cy="1034351"/>
+            <a:off x="9399818" y="3265417"/>
+            <a:ext cx="494769" cy="452026"/>
           </a:xfrm>
           <a:prstGeom prst="bentConnector3">
-            <a:avLst/>
+            <a:avLst>
+              <a:gd name="adj1" fmla="val 61315"/>
+            </a:avLst>
           </a:prstGeom>
-          <a:ln w="28575">
+          <a:ln w="28575" cmpd="sng">
             <a:solidFill>
-              <a:schemeClr val="tx1"/>
+              <a:srgbClr val="000000"/>
             </a:solidFill>
             <a:prstDash val="sysDot"/>
-            <a:tailEnd type="triangle"/>
+            <a:tailEnd type="arrow"/>
           </a:ln>
         </p:spPr>
         <p:style>
-          <a:lnRef idx="1">
+          <a:lnRef idx="2">
             <a:schemeClr val="accent1"/>
           </a:lnRef>
           <a:fillRef idx="0">
             <a:schemeClr val="accent1"/>
           </a:fillRef>
-          <a:effectRef idx="0">
+          <a:effectRef idx="1">
             <a:schemeClr val="accent1"/>
           </a:effectRef>
           <a:fontRef idx="minor">
@@ -4481,37 +4582,37 @@
       </p:cxnSp>
       <p:cxnSp>
         <p:nvCxnSpPr>
-          <p:cNvPr id="37" name="直接箭头连接符 36"/>
+          <p:cNvPr id="63" name="直接箭头连接符 62"/>
           <p:cNvCxnSpPr>
-            <a:stCxn id="27" idx="0"/>
-            <a:endCxn id="25" idx="2"/>
+            <a:stCxn id="58" idx="0"/>
+            <a:endCxn id="60" idx="2"/>
           </p:cNvCxnSpPr>
           <p:nvPr/>
         </p:nvCxnSpPr>
         <p:spPr>
           <a:xfrm flipV="1">
-            <a:off x="8336561" y="2936395"/>
-            <a:ext cx="570" cy="363037"/>
+            <a:off x="9873215" y="4289435"/>
+            <a:ext cx="0" cy="252543"/>
           </a:xfrm>
           <a:prstGeom prst="straightConnector1">
             <a:avLst/>
           </a:prstGeom>
-          <a:ln w="28575">
+          <a:ln w="28575" cmpd="sng">
             <a:solidFill>
-              <a:schemeClr val="tx1"/>
+              <a:srgbClr val="000000"/>
             </a:solidFill>
             <a:prstDash val="sysDot"/>
-            <a:tailEnd type="triangle"/>
+            <a:tailEnd type="arrow"/>
           </a:ln>
         </p:spPr>
         <p:style>
-          <a:lnRef idx="1">
+          <a:lnRef idx="2">
             <a:schemeClr val="accent1"/>
           </a:lnRef>
           <a:fillRef idx="0">
             <a:schemeClr val="accent1"/>
           </a:fillRef>
-          <a:effectRef idx="0">
+          <a:effectRef idx="1">
             <a:schemeClr val="accent1"/>
           </a:effectRef>
           <a:fontRef idx="minor">
@@ -4519,46 +4620,66 @@
           </a:fontRef>
         </p:style>
       </p:cxnSp>
-      <p:cxnSp>
-        <p:nvCxnSpPr>
-          <p:cNvPr id="39" name="直接箭头连接符 38"/>
-          <p:cNvCxnSpPr>
-            <a:stCxn id="30" idx="0"/>
-            <a:endCxn id="26" idx="2"/>
-          </p:cNvCxnSpPr>
+      <p:sp>
+        <p:nvSpPr>
+          <p:cNvPr id="16" name="文本框 15"/>
+          <p:cNvSpPr txBox="1"/>
           <p:nvPr/>
-        </p:nvCxnSpPr>
-        <p:spPr>
-          <a:xfrm flipH="1" flipV="1">
-            <a:off x="9989654" y="2940697"/>
-            <a:ext cx="4852" cy="413069"/>
-          </a:xfrm>
-          <a:prstGeom prst="straightConnector1">
+        </p:nvSpPr>
+        <p:spPr>
+          <a:xfrm>
+            <a:off x="2875480" y="5736895"/>
+            <a:ext cx="641757" cy="461665"/>
+          </a:xfrm>
+          <a:prstGeom prst="rect">
             <a:avLst/>
           </a:prstGeom>
-          <a:ln w="28575">
-            <a:solidFill>
-              <a:schemeClr val="tx1"/>
-            </a:solidFill>
-            <a:prstDash val="sysDot"/>
-            <a:tailEnd type="triangle"/>
-          </a:ln>
-        </p:spPr>
-        <p:style>
-          <a:lnRef idx="1">
-            <a:schemeClr val="accent1"/>
-          </a:lnRef>
-          <a:fillRef idx="0">
-            <a:schemeClr val="accent1"/>
-          </a:fillRef>
-          <a:effectRef idx="0">
-            <a:schemeClr val="accent1"/>
-          </a:effectRef>
-          <a:fontRef idx="minor">
-            <a:schemeClr val="tx1"/>
-          </a:fontRef>
-        </p:style>
-      </p:cxnSp>
+          <a:noFill/>
+        </p:spPr>
+        <p:txBody>
+          <a:bodyPr wrap="square" rtlCol="0">
+            <a:spAutoFit/>
+          </a:bodyPr>
+          <a:lstStyle/>
+          <a:p>
+            <a:r>
+              <a:rPr lang="en-US" sz="2400" b="1" dirty="0" smtClean="0"/>
+              <a:t>(a)</a:t>
+            </a:r>
+            <a:endParaRPr lang="en-US" b="1" dirty="0"/>
+          </a:p>
+        </p:txBody>
+      </p:sp>
+      <p:sp>
+        <p:nvSpPr>
+          <p:cNvPr id="64" name="文本框 63"/>
+          <p:cNvSpPr txBox="1"/>
+          <p:nvPr/>
+        </p:nvSpPr>
+        <p:spPr>
+          <a:xfrm>
+            <a:off x="8800704" y="5736895"/>
+            <a:ext cx="641757" cy="461665"/>
+          </a:xfrm>
+          <a:prstGeom prst="rect">
+            <a:avLst/>
+          </a:prstGeom>
+          <a:noFill/>
+        </p:spPr>
+        <p:txBody>
+          <a:bodyPr wrap="square" rtlCol="0">
+            <a:spAutoFit/>
+          </a:bodyPr>
+          <a:lstStyle/>
+          <a:p>
+            <a:r>
+              <a:rPr lang="en-US" sz="2400" b="1" dirty="0" smtClean="0"/>
+              <a:t>(b)</a:t>
+            </a:r>
+            <a:endParaRPr lang="en-US" b="1" dirty="0"/>
+          </a:p>
+        </p:txBody>
+      </p:sp>
     </p:spTree>
     <p:extLst>
       <p:ext uri="{BB962C8B-B14F-4D97-AF65-F5344CB8AC3E}">
